--- a/docs/diagrams/UiAnnotatedDiagrams.pptx
+++ b/docs/diagrams/UiAnnotatedDiagrams.pptx
@@ -5,13 +5,18 @@
     <p:sldMasterId id="2147483648" r:id="rId1"/>
   </p:sldMasterIdLst>
   <p:notesMasterIdLst>
-    <p:notesMasterId r:id="rId6"/>
+    <p:notesMasterId r:id="rId11"/>
   </p:notesMasterIdLst>
   <p:sldIdLst>
     <p:sldId id="256" r:id="rId2"/>
     <p:sldId id="257" r:id="rId3"/>
     <p:sldId id="259" r:id="rId4"/>
     <p:sldId id="258" r:id="rId5"/>
+    <p:sldId id="260" r:id="rId6"/>
+    <p:sldId id="261" r:id="rId7"/>
+    <p:sldId id="262" r:id="rId8"/>
+    <p:sldId id="263" r:id="rId9"/>
+    <p:sldId id="264" r:id="rId10"/>
   </p:sldIdLst>
   <p:sldSz cx="12192000" cy="6858000"/>
   <p:notesSz cx="6858000" cy="9144000"/>
@@ -110,6 +115,11 @@
       </a:defRPr>
     </a:lvl9pPr>
   </p:defaultTextStyle>
+  <p:extLst>
+    <p:ext uri="{EFAFB233-063F-42B5-8137-9DF3F51BA10A}">
+      <p15:sldGuideLst xmlns:p15="http://schemas.microsoft.com/office/powerpoint/2012/main"/>
+    </p:ext>
+  </p:extLst>
 </p:presentation>
 </file>
 
@@ -195,7 +205,7 @@
           <a:p>
             <a:fld id="{FB410588-0C5D-6648-857F-8B15E0CE49C4}" type="datetimeFigureOut">
               <a:rPr lang="en-US" smtClean="0"/>
-              <a:t>4/2/19</a:t>
+              <a:t>4/15/2019</a:t>
             </a:fld>
             <a:endParaRPr lang="en-US"/>
           </a:p>
@@ -259,38 +269,37 @@
           <a:p>
             <a:pPr lvl="0"/>
             <a:r>
-              <a:rPr lang="en-US" smtClean="0"/>
+              <a:rPr lang="en-US"/>
               <a:t>Click to edit Master text styles</a:t>
             </a:r>
           </a:p>
           <a:p>
             <a:pPr lvl="1"/>
             <a:r>
-              <a:rPr lang="en-US" smtClean="0"/>
+              <a:rPr lang="en-US"/>
               <a:t>Second level</a:t>
             </a:r>
           </a:p>
           <a:p>
             <a:pPr lvl="2"/>
             <a:r>
-              <a:rPr lang="en-US" smtClean="0"/>
+              <a:rPr lang="en-US"/>
               <a:t>Third level</a:t>
             </a:r>
           </a:p>
           <a:p>
             <a:pPr lvl="3"/>
             <a:r>
-              <a:rPr lang="en-US" smtClean="0"/>
+              <a:rPr lang="en-US"/>
               <a:t>Fourth level</a:t>
             </a:r>
           </a:p>
           <a:p>
             <a:pPr lvl="4"/>
             <a:r>
-              <a:rPr lang="en-US" smtClean="0"/>
+              <a:rPr lang="en-US"/>
               <a:t>Fifth level</a:t>
             </a:r>
-            <a:endParaRPr lang="en-US"/>
           </a:p>
         </p:txBody>
       </p:sp>
@@ -463,6 +472,606 @@
 </p:notesMaster>
 </file>
 
+<file path=ppt/notesSlides/notesSlide1.xml><?xml version="1.0" encoding="utf-8"?>
+<p:notes xmlns:a="http://schemas.openxmlformats.org/drawingml/2006/main" xmlns:r="http://schemas.openxmlformats.org/officeDocument/2006/relationships" xmlns:p="http://schemas.openxmlformats.org/presentationml/2006/main" showMasterSp="0" showMasterPhAnim="0">
+  <p:cSld>
+    <p:spTree>
+      <p:nvGrpSpPr>
+        <p:cNvPr id="1" name="Shape 50"/>
+        <p:cNvGrpSpPr/>
+        <p:nvPr/>
+      </p:nvGrpSpPr>
+      <p:grpSpPr>
+        <a:xfrm>
+          <a:off x="0" y="0"/>
+          <a:ext cx="0" cy="0"/>
+          <a:chOff x="0" y="0"/>
+          <a:chExt cx="0" cy="0"/>
+        </a:xfrm>
+      </p:grpSpPr>
+      <p:sp>
+        <p:nvSpPr>
+          <p:cNvPr id="51" name="Google Shape;51;g57cbbe3e94_0_0:notes"/>
+          <p:cNvSpPr>
+            <a:spLocks noGrp="1" noRot="1" noChangeAspect="1"/>
+          </p:cNvSpPr>
+          <p:nvPr>
+            <p:ph type="sldImg" idx="2"/>
+          </p:nvPr>
+        </p:nvSpPr>
+        <p:spPr>
+          <a:xfrm>
+            <a:off x="381300" y="685800"/>
+            <a:ext cx="6096000" cy="3429000"/>
+          </a:xfrm>
+          <a:custGeom>
+            <a:avLst/>
+            <a:gdLst/>
+            <a:ahLst/>
+            <a:cxnLst/>
+            <a:rect l="l" t="t" r="r" b="b"/>
+            <a:pathLst>
+              <a:path w="120000" h="120000" extrusionOk="0">
+                <a:moveTo>
+                  <a:pt x="0" y="0"/>
+                </a:moveTo>
+                <a:lnTo>
+                  <a:pt x="120000" y="0"/>
+                </a:lnTo>
+                <a:lnTo>
+                  <a:pt x="120000" y="120000"/>
+                </a:lnTo>
+                <a:lnTo>
+                  <a:pt x="0" y="120000"/>
+                </a:lnTo>
+                <a:close/>
+              </a:path>
+            </a:pathLst>
+          </a:custGeom>
+        </p:spPr>
+      </p:sp>
+      <p:sp>
+        <p:nvSpPr>
+          <p:cNvPr id="52" name="Google Shape;52;g57cbbe3e94_0_0:notes"/>
+          <p:cNvSpPr txBox="1">
+            <a:spLocks noGrp="1"/>
+          </p:cNvSpPr>
+          <p:nvPr>
+            <p:ph type="body" idx="1"/>
+          </p:nvPr>
+        </p:nvSpPr>
+        <p:spPr>
+          <a:xfrm>
+            <a:off x="685800" y="4343400"/>
+            <a:ext cx="5486400" cy="4114800"/>
+          </a:xfrm>
+          <a:prstGeom prst="rect">
+            <a:avLst/>
+          </a:prstGeom>
+        </p:spPr>
+        <p:txBody>
+          <a:bodyPr spcFirstLastPara="1" wrap="square" lIns="91425" tIns="91425" rIns="91425" bIns="91425" anchor="t" anchorCtr="0">
+            <a:noAutofit/>
+          </a:bodyPr>
+          <a:lstStyle/>
+          <a:p>
+            <a:pPr marL="0" lvl="0" indent="0" algn="l" rtl="0">
+              <a:lnSpc>
+                <a:spcPct val="115000"/>
+              </a:lnSpc>
+              <a:spcBef>
+                <a:spcPts val="0"/>
+              </a:spcBef>
+              <a:spcAft>
+                <a:spcPts val="0"/>
+              </a:spcAft>
+              <a:buClr>
+                <a:schemeClr val="dk1"/>
+              </a:buClr>
+              <a:buSzPts val="1100"/>
+              <a:buFont typeface="Arial"/>
+              <a:buNone/>
+            </a:pPr>
+            <a:r>
+              <a:rPr lang="en">
+                <a:solidFill>
+                  <a:srgbClr val="0B5394"/>
+                </a:solidFill>
+              </a:rPr>
+              <a:t>Enter table mode by selecting the table number, in this case, table 23.</a:t>
+            </a:r>
+            <a:endParaRPr/>
+          </a:p>
+        </p:txBody>
+      </p:sp>
+    </p:spTree>
+  </p:cSld>
+  <p:clrMapOvr>
+    <a:masterClrMapping/>
+  </p:clrMapOvr>
+</p:notes>
+</file>
+
+<file path=ppt/notesSlides/notesSlide2.xml><?xml version="1.0" encoding="utf-8"?>
+<p:notes xmlns:a="http://schemas.openxmlformats.org/drawingml/2006/main" xmlns:r="http://schemas.openxmlformats.org/officeDocument/2006/relationships" xmlns:p="http://schemas.openxmlformats.org/presentationml/2006/main" showMasterSp="0" showMasterPhAnim="0">
+  <p:cSld>
+    <p:spTree>
+      <p:nvGrpSpPr>
+        <p:cNvPr id="1" name="Shape 75"/>
+        <p:cNvGrpSpPr/>
+        <p:nvPr/>
+      </p:nvGrpSpPr>
+      <p:grpSpPr>
+        <a:xfrm>
+          <a:off x="0" y="0"/>
+          <a:ext cx="0" cy="0"/>
+          <a:chOff x="0" y="0"/>
+          <a:chExt cx="0" cy="0"/>
+        </a:xfrm>
+      </p:grpSpPr>
+      <p:sp>
+        <p:nvSpPr>
+          <p:cNvPr id="76" name="Google Shape;76;g564b978abe_0_69:notes"/>
+          <p:cNvSpPr>
+            <a:spLocks noGrp="1" noRot="1" noChangeAspect="1"/>
+          </p:cNvSpPr>
+          <p:nvPr>
+            <p:ph type="sldImg" idx="2"/>
+          </p:nvPr>
+        </p:nvSpPr>
+        <p:spPr>
+          <a:xfrm>
+            <a:off x="381300" y="685800"/>
+            <a:ext cx="6096000" cy="3429000"/>
+          </a:xfrm>
+          <a:custGeom>
+            <a:avLst/>
+            <a:gdLst/>
+            <a:ahLst/>
+            <a:cxnLst/>
+            <a:rect l="l" t="t" r="r" b="b"/>
+            <a:pathLst>
+              <a:path w="120000" h="120000" extrusionOk="0">
+                <a:moveTo>
+                  <a:pt x="0" y="0"/>
+                </a:moveTo>
+                <a:lnTo>
+                  <a:pt x="120000" y="0"/>
+                </a:lnTo>
+                <a:lnTo>
+                  <a:pt x="120000" y="120000"/>
+                </a:lnTo>
+                <a:lnTo>
+                  <a:pt x="0" y="120000"/>
+                </a:lnTo>
+                <a:close/>
+              </a:path>
+            </a:pathLst>
+          </a:custGeom>
+        </p:spPr>
+      </p:sp>
+      <p:sp>
+        <p:nvSpPr>
+          <p:cNvPr id="77" name="Google Shape;77;g564b978abe_0_69:notes"/>
+          <p:cNvSpPr txBox="1">
+            <a:spLocks noGrp="1"/>
+          </p:cNvSpPr>
+          <p:nvPr>
+            <p:ph type="body" idx="1"/>
+          </p:nvPr>
+        </p:nvSpPr>
+        <p:spPr>
+          <a:xfrm>
+            <a:off x="685800" y="4343400"/>
+            <a:ext cx="5486400" cy="4114800"/>
+          </a:xfrm>
+          <a:prstGeom prst="rect">
+            <a:avLst/>
+          </a:prstGeom>
+        </p:spPr>
+        <p:txBody>
+          <a:bodyPr spcFirstLastPara="1" wrap="square" lIns="91425" tIns="91425" rIns="91425" bIns="91425" anchor="t" anchorCtr="0">
+            <a:noAutofit/>
+          </a:bodyPr>
+          <a:lstStyle/>
+          <a:p>
+            <a:pPr marL="0" lvl="0" indent="0" algn="l" rtl="0">
+              <a:lnSpc>
+                <a:spcPct val="115000"/>
+              </a:lnSpc>
+              <a:spcBef>
+                <a:spcPts val="0"/>
+              </a:spcBef>
+              <a:spcAft>
+                <a:spcPts val="0"/>
+              </a:spcAft>
+              <a:buClr>
+                <a:schemeClr val="dk1"/>
+              </a:buClr>
+              <a:buSzPts val="1100"/>
+              <a:buFont typeface="Arial"/>
+              <a:buNone/>
+            </a:pPr>
+            <a:r>
+              <a:rPr lang="en">
+                <a:solidFill>
+                  <a:srgbClr val="0B5394"/>
+                </a:solidFill>
+              </a:rPr>
+              <a:t>Enter table mode by selecting the table number, in this case, table 23.</a:t>
+            </a:r>
+            <a:endParaRPr/>
+          </a:p>
+        </p:txBody>
+      </p:sp>
+    </p:spTree>
+  </p:cSld>
+  <p:clrMapOvr>
+    <a:masterClrMapping/>
+  </p:clrMapOvr>
+</p:notes>
+</file>
+
+<file path=ppt/notesSlides/notesSlide3.xml><?xml version="1.0" encoding="utf-8"?>
+<p:notes xmlns:a="http://schemas.openxmlformats.org/drawingml/2006/main" xmlns:r="http://schemas.openxmlformats.org/officeDocument/2006/relationships" xmlns:p="http://schemas.openxmlformats.org/presentationml/2006/main" showMasterSp="0" showMasterPhAnim="0">
+  <p:cSld>
+    <p:spTree>
+      <p:nvGrpSpPr>
+        <p:cNvPr id="1" name="Shape 86"/>
+        <p:cNvGrpSpPr/>
+        <p:nvPr/>
+      </p:nvGrpSpPr>
+      <p:grpSpPr>
+        <a:xfrm>
+          <a:off x="0" y="0"/>
+          <a:ext cx="0" cy="0"/>
+          <a:chOff x="0" y="0"/>
+          <a:chExt cx="0" cy="0"/>
+        </a:xfrm>
+      </p:grpSpPr>
+      <p:sp>
+        <p:nvSpPr>
+          <p:cNvPr id="87" name="Google Shape;87;g57cbbe3e94_0_30:notes"/>
+          <p:cNvSpPr>
+            <a:spLocks noGrp="1" noRot="1" noChangeAspect="1"/>
+          </p:cNvSpPr>
+          <p:nvPr>
+            <p:ph type="sldImg" idx="2"/>
+          </p:nvPr>
+        </p:nvSpPr>
+        <p:spPr>
+          <a:xfrm>
+            <a:off x="381300" y="685800"/>
+            <a:ext cx="6096000" cy="3429000"/>
+          </a:xfrm>
+          <a:custGeom>
+            <a:avLst/>
+            <a:gdLst/>
+            <a:ahLst/>
+            <a:cxnLst/>
+            <a:rect l="l" t="t" r="r" b="b"/>
+            <a:pathLst>
+              <a:path w="120000" h="120000" extrusionOk="0">
+                <a:moveTo>
+                  <a:pt x="0" y="0"/>
+                </a:moveTo>
+                <a:lnTo>
+                  <a:pt x="120000" y="0"/>
+                </a:lnTo>
+                <a:lnTo>
+                  <a:pt x="120000" y="120000"/>
+                </a:lnTo>
+                <a:lnTo>
+                  <a:pt x="0" y="120000"/>
+                </a:lnTo>
+                <a:close/>
+              </a:path>
+            </a:pathLst>
+          </a:custGeom>
+        </p:spPr>
+      </p:sp>
+      <p:sp>
+        <p:nvSpPr>
+          <p:cNvPr id="88" name="Google Shape;88;g57cbbe3e94_0_30:notes"/>
+          <p:cNvSpPr txBox="1">
+            <a:spLocks noGrp="1"/>
+          </p:cNvSpPr>
+          <p:nvPr>
+            <p:ph type="body" idx="1"/>
+          </p:nvPr>
+        </p:nvSpPr>
+        <p:spPr>
+          <a:xfrm>
+            <a:off x="685800" y="4343400"/>
+            <a:ext cx="5486400" cy="4114800"/>
+          </a:xfrm>
+          <a:prstGeom prst="rect">
+            <a:avLst/>
+          </a:prstGeom>
+        </p:spPr>
+        <p:txBody>
+          <a:bodyPr spcFirstLastPara="1" wrap="square" lIns="91425" tIns="91425" rIns="91425" bIns="91425" anchor="t" anchorCtr="0">
+            <a:noAutofit/>
+          </a:bodyPr>
+          <a:lstStyle/>
+          <a:p>
+            <a:pPr marL="0" lvl="0" indent="0" algn="l" rtl="0">
+              <a:lnSpc>
+                <a:spcPct val="115000"/>
+              </a:lnSpc>
+              <a:spcBef>
+                <a:spcPts val="0"/>
+              </a:spcBef>
+              <a:spcAft>
+                <a:spcPts val="0"/>
+              </a:spcAft>
+              <a:buClr>
+                <a:schemeClr val="dk1"/>
+              </a:buClr>
+              <a:buSzPts val="1100"/>
+              <a:buFont typeface="Arial"/>
+              <a:buNone/>
+            </a:pPr>
+            <a:r>
+              <a:rPr lang="en">
+                <a:solidFill>
+                  <a:srgbClr val="0B5394"/>
+                </a:solidFill>
+              </a:rPr>
+              <a:t>Enter table mode by selecting the table number, in this case, table 23.</a:t>
+            </a:r>
+            <a:endParaRPr/>
+          </a:p>
+        </p:txBody>
+      </p:sp>
+    </p:spTree>
+  </p:cSld>
+  <p:clrMapOvr>
+    <a:masterClrMapping/>
+  </p:clrMapOvr>
+</p:notes>
+</file>
+
+<file path=ppt/notesSlides/notesSlide4.xml><?xml version="1.0" encoding="utf-8"?>
+<p:notes xmlns:a="http://schemas.openxmlformats.org/drawingml/2006/main" xmlns:r="http://schemas.openxmlformats.org/officeDocument/2006/relationships" xmlns:p="http://schemas.openxmlformats.org/presentationml/2006/main" showMasterSp="0" showMasterPhAnim="0">
+  <p:cSld>
+    <p:spTree>
+      <p:nvGrpSpPr>
+        <p:cNvPr id="1" name="Shape 97"/>
+        <p:cNvGrpSpPr/>
+        <p:nvPr/>
+      </p:nvGrpSpPr>
+      <p:grpSpPr>
+        <a:xfrm>
+          <a:off x="0" y="0"/>
+          <a:ext cx="0" cy="0"/>
+          <a:chOff x="0" y="0"/>
+          <a:chExt cx="0" cy="0"/>
+        </a:xfrm>
+      </p:grpSpPr>
+      <p:sp>
+        <p:nvSpPr>
+          <p:cNvPr id="98" name="Google Shape;98;g564b978abe_0_21:notes"/>
+          <p:cNvSpPr>
+            <a:spLocks noGrp="1" noRot="1" noChangeAspect="1"/>
+          </p:cNvSpPr>
+          <p:nvPr>
+            <p:ph type="sldImg" idx="2"/>
+          </p:nvPr>
+        </p:nvSpPr>
+        <p:spPr>
+          <a:xfrm>
+            <a:off x="381300" y="685800"/>
+            <a:ext cx="6096000" cy="3429000"/>
+          </a:xfrm>
+          <a:custGeom>
+            <a:avLst/>
+            <a:gdLst/>
+            <a:ahLst/>
+            <a:cxnLst/>
+            <a:rect l="l" t="t" r="r" b="b"/>
+            <a:pathLst>
+              <a:path w="120000" h="120000" extrusionOk="0">
+                <a:moveTo>
+                  <a:pt x="0" y="0"/>
+                </a:moveTo>
+                <a:lnTo>
+                  <a:pt x="120000" y="0"/>
+                </a:lnTo>
+                <a:lnTo>
+                  <a:pt x="120000" y="120000"/>
+                </a:lnTo>
+                <a:lnTo>
+                  <a:pt x="0" y="120000"/>
+                </a:lnTo>
+                <a:close/>
+              </a:path>
+            </a:pathLst>
+          </a:custGeom>
+        </p:spPr>
+      </p:sp>
+      <p:sp>
+        <p:nvSpPr>
+          <p:cNvPr id="99" name="Google Shape;99;g564b978abe_0_21:notes"/>
+          <p:cNvSpPr txBox="1">
+            <a:spLocks noGrp="1"/>
+          </p:cNvSpPr>
+          <p:nvPr>
+            <p:ph type="body" idx="1"/>
+          </p:nvPr>
+        </p:nvSpPr>
+        <p:spPr>
+          <a:xfrm>
+            <a:off x="685800" y="4343400"/>
+            <a:ext cx="5486400" cy="4114800"/>
+          </a:xfrm>
+          <a:prstGeom prst="rect">
+            <a:avLst/>
+          </a:prstGeom>
+        </p:spPr>
+        <p:txBody>
+          <a:bodyPr spcFirstLastPara="1" wrap="square" lIns="91425" tIns="91425" rIns="91425" bIns="91425" anchor="t" anchorCtr="0">
+            <a:noAutofit/>
+          </a:bodyPr>
+          <a:lstStyle/>
+          <a:p>
+            <a:pPr marL="0" lvl="0" indent="0" algn="l" rtl="0">
+              <a:lnSpc>
+                <a:spcPct val="115000"/>
+              </a:lnSpc>
+              <a:spcBef>
+                <a:spcPts val="0"/>
+              </a:spcBef>
+              <a:spcAft>
+                <a:spcPts val="0"/>
+              </a:spcAft>
+              <a:buClr>
+                <a:schemeClr val="dk1"/>
+              </a:buClr>
+              <a:buSzPts val="1100"/>
+              <a:buFont typeface="Arial"/>
+              <a:buNone/>
+            </a:pPr>
+            <a:r>
+              <a:rPr lang="en">
+                <a:solidFill>
+                  <a:srgbClr val="0B5394"/>
+                </a:solidFill>
+              </a:rPr>
+              <a:t>Enter table mode by selecting the table number, in this case, table 23.</a:t>
+            </a:r>
+            <a:endParaRPr/>
+          </a:p>
+        </p:txBody>
+      </p:sp>
+    </p:spTree>
+  </p:cSld>
+  <p:clrMapOvr>
+    <a:masterClrMapping/>
+  </p:clrMapOvr>
+</p:notes>
+</file>
+
+<file path=ppt/notesSlides/notesSlide5.xml><?xml version="1.0" encoding="utf-8"?>
+<p:notes xmlns:a="http://schemas.openxmlformats.org/drawingml/2006/main" xmlns:r="http://schemas.openxmlformats.org/officeDocument/2006/relationships" xmlns:p="http://schemas.openxmlformats.org/presentationml/2006/main" showMasterSp="0" showMasterPhAnim="0">
+  <p:cSld>
+    <p:spTree>
+      <p:nvGrpSpPr>
+        <p:cNvPr id="1" name="Shape 105"/>
+        <p:cNvGrpSpPr/>
+        <p:nvPr/>
+      </p:nvGrpSpPr>
+      <p:grpSpPr>
+        <a:xfrm>
+          <a:off x="0" y="0"/>
+          <a:ext cx="0" cy="0"/>
+          <a:chOff x="0" y="0"/>
+          <a:chExt cx="0" cy="0"/>
+        </a:xfrm>
+      </p:grpSpPr>
+      <p:sp>
+        <p:nvSpPr>
+          <p:cNvPr id="106" name="Google Shape;106;g564b978abe_0_45:notes"/>
+          <p:cNvSpPr>
+            <a:spLocks noGrp="1" noRot="1" noChangeAspect="1"/>
+          </p:cNvSpPr>
+          <p:nvPr>
+            <p:ph type="sldImg" idx="2"/>
+          </p:nvPr>
+        </p:nvSpPr>
+        <p:spPr>
+          <a:xfrm>
+            <a:off x="381300" y="685800"/>
+            <a:ext cx="6096000" cy="3429000"/>
+          </a:xfrm>
+          <a:custGeom>
+            <a:avLst/>
+            <a:gdLst/>
+            <a:ahLst/>
+            <a:cxnLst/>
+            <a:rect l="l" t="t" r="r" b="b"/>
+            <a:pathLst>
+              <a:path w="120000" h="120000" extrusionOk="0">
+                <a:moveTo>
+                  <a:pt x="0" y="0"/>
+                </a:moveTo>
+                <a:lnTo>
+                  <a:pt x="120000" y="0"/>
+                </a:lnTo>
+                <a:lnTo>
+                  <a:pt x="120000" y="120000"/>
+                </a:lnTo>
+                <a:lnTo>
+                  <a:pt x="0" y="120000"/>
+                </a:lnTo>
+                <a:close/>
+              </a:path>
+            </a:pathLst>
+          </a:custGeom>
+        </p:spPr>
+      </p:sp>
+      <p:sp>
+        <p:nvSpPr>
+          <p:cNvPr id="107" name="Google Shape;107;g564b978abe_0_45:notes"/>
+          <p:cNvSpPr txBox="1">
+            <a:spLocks noGrp="1"/>
+          </p:cNvSpPr>
+          <p:nvPr>
+            <p:ph type="body" idx="1"/>
+          </p:nvPr>
+        </p:nvSpPr>
+        <p:spPr>
+          <a:xfrm>
+            <a:off x="685800" y="4343400"/>
+            <a:ext cx="5486400" cy="4114800"/>
+          </a:xfrm>
+          <a:prstGeom prst="rect">
+            <a:avLst/>
+          </a:prstGeom>
+        </p:spPr>
+        <p:txBody>
+          <a:bodyPr spcFirstLastPara="1" wrap="square" lIns="91425" tIns="91425" rIns="91425" bIns="91425" anchor="t" anchorCtr="0">
+            <a:noAutofit/>
+          </a:bodyPr>
+          <a:lstStyle/>
+          <a:p>
+            <a:pPr marL="0" lvl="0" indent="0" algn="l" rtl="0">
+              <a:lnSpc>
+                <a:spcPct val="115000"/>
+              </a:lnSpc>
+              <a:spcBef>
+                <a:spcPts val="0"/>
+              </a:spcBef>
+              <a:spcAft>
+                <a:spcPts val="0"/>
+              </a:spcAft>
+              <a:buClr>
+                <a:schemeClr val="dk1"/>
+              </a:buClr>
+              <a:buSzPts val="1100"/>
+              <a:buFont typeface="Arial"/>
+              <a:buNone/>
+            </a:pPr>
+            <a:r>
+              <a:rPr lang="en">
+                <a:solidFill>
+                  <a:srgbClr val="0B5394"/>
+                </a:solidFill>
+              </a:rPr>
+              <a:t>Enter table mode by selecting the table number, in this case, table 23.</a:t>
+            </a:r>
+            <a:endParaRPr/>
+          </a:p>
+        </p:txBody>
+      </p:sp>
+    </p:spTree>
+  </p:cSld>
+  <p:clrMapOvr>
+    <a:masterClrMapping/>
+  </p:clrMapOvr>
+</p:notes>
+</file>
+
 <file path=ppt/slideLayouts/slideLayout1.xml><?xml version="1.0" encoding="utf-8"?>
 <p:sldLayout xmlns:a="http://schemas.openxmlformats.org/drawingml/2006/main" xmlns:r="http://schemas.openxmlformats.org/officeDocument/2006/relationships" xmlns:p="http://schemas.openxmlformats.org/presentationml/2006/main" type="title" preserve="1">
   <p:cSld name="Title Slide">
@@ -505,10 +1114,9 @@
           </a:lstStyle>
           <a:p>
             <a:r>
-              <a:rPr lang="en-US" smtClean="0"/>
+              <a:rPr lang="en-US"/>
               <a:t>Click to edit Master title style</a:t>
             </a:r>
-            <a:endParaRPr lang="en-US"/>
           </a:p>
         </p:txBody>
       </p:sp>
@@ -570,10 +1178,9 @@
           </a:lstStyle>
           <a:p>
             <a:r>
-              <a:rPr lang="en-US" smtClean="0"/>
+              <a:rPr lang="en-US"/>
               <a:t>Click to edit Master subtitle style</a:t>
             </a:r>
-            <a:endParaRPr lang="en-US"/>
           </a:p>
         </p:txBody>
       </p:sp>
@@ -594,7 +1201,7 @@
           <a:p>
             <a:fld id="{4AFA1391-AA42-BF42-A4F4-18D0DBD981DD}" type="datetimeFigureOut">
               <a:rPr lang="en-US" smtClean="0"/>
-              <a:t>4/2/19</a:t>
+              <a:t>4/15/2019</a:t>
             </a:fld>
             <a:endParaRPr lang="en-US"/>
           </a:p>
@@ -688,10 +1295,9 @@
           <a:lstStyle/>
           <a:p>
             <a:r>
-              <a:rPr lang="en-US" smtClean="0"/>
+              <a:rPr lang="en-US"/>
               <a:t>Click to edit Master title style</a:t>
             </a:r>
-            <a:endParaRPr lang="en-US"/>
           </a:p>
         </p:txBody>
       </p:sp>
@@ -712,38 +1318,37 @@
           <a:p>
             <a:pPr lvl="0"/>
             <a:r>
-              <a:rPr lang="en-US" smtClean="0"/>
+              <a:rPr lang="en-US"/>
               <a:t>Click to edit Master text styles</a:t>
             </a:r>
           </a:p>
           <a:p>
             <a:pPr lvl="1"/>
             <a:r>
-              <a:rPr lang="en-US" smtClean="0"/>
+              <a:rPr lang="en-US"/>
               <a:t>Second level</a:t>
             </a:r>
           </a:p>
           <a:p>
             <a:pPr lvl="2"/>
             <a:r>
-              <a:rPr lang="en-US" smtClean="0"/>
+              <a:rPr lang="en-US"/>
               <a:t>Third level</a:t>
             </a:r>
           </a:p>
           <a:p>
             <a:pPr lvl="3"/>
             <a:r>
-              <a:rPr lang="en-US" smtClean="0"/>
+              <a:rPr lang="en-US"/>
               <a:t>Fourth level</a:t>
             </a:r>
           </a:p>
           <a:p>
             <a:pPr lvl="4"/>
             <a:r>
-              <a:rPr lang="en-US" smtClean="0"/>
+              <a:rPr lang="en-US"/>
               <a:t>Fifth level</a:t>
             </a:r>
-            <a:endParaRPr lang="en-US"/>
           </a:p>
         </p:txBody>
       </p:sp>
@@ -764,7 +1369,7 @@
           <a:p>
             <a:fld id="{4AFA1391-AA42-BF42-A4F4-18D0DBD981DD}" type="datetimeFigureOut">
               <a:rPr lang="en-US" smtClean="0"/>
-              <a:t>4/2/19</a:t>
+              <a:t>4/15/2019</a:t>
             </a:fld>
             <a:endParaRPr lang="en-US"/>
           </a:p>
@@ -863,10 +1468,9 @@
           <a:lstStyle/>
           <a:p>
             <a:r>
-              <a:rPr lang="en-US" smtClean="0"/>
+              <a:rPr lang="en-US"/>
               <a:t>Click to edit Master title style</a:t>
             </a:r>
-            <a:endParaRPr lang="en-US"/>
           </a:p>
         </p:txBody>
       </p:sp>
@@ -892,38 +1496,37 @@
           <a:p>
             <a:pPr lvl="0"/>
             <a:r>
-              <a:rPr lang="en-US" smtClean="0"/>
+              <a:rPr lang="en-US"/>
               <a:t>Click to edit Master text styles</a:t>
             </a:r>
           </a:p>
           <a:p>
             <a:pPr lvl="1"/>
             <a:r>
-              <a:rPr lang="en-US" smtClean="0"/>
+              <a:rPr lang="en-US"/>
               <a:t>Second level</a:t>
             </a:r>
           </a:p>
           <a:p>
             <a:pPr lvl="2"/>
             <a:r>
-              <a:rPr lang="en-US" smtClean="0"/>
+              <a:rPr lang="en-US"/>
               <a:t>Third level</a:t>
             </a:r>
           </a:p>
           <a:p>
             <a:pPr lvl="3"/>
             <a:r>
-              <a:rPr lang="en-US" smtClean="0"/>
+              <a:rPr lang="en-US"/>
               <a:t>Fourth level</a:t>
             </a:r>
           </a:p>
           <a:p>
             <a:pPr lvl="4"/>
             <a:r>
-              <a:rPr lang="en-US" smtClean="0"/>
+              <a:rPr lang="en-US"/>
               <a:t>Fifth level</a:t>
             </a:r>
-            <a:endParaRPr lang="en-US"/>
           </a:p>
         </p:txBody>
       </p:sp>
@@ -944,7 +1547,7 @@
           <a:p>
             <a:fld id="{4AFA1391-AA42-BF42-A4F4-18D0DBD981DD}" type="datetimeFigureOut">
               <a:rPr lang="en-US" smtClean="0"/>
-              <a:t>4/2/19</a:t>
+              <a:t>4/15/2019</a:t>
             </a:fld>
             <a:endParaRPr lang="en-US"/>
           </a:p>
@@ -996,6 +1599,361 @@
     <p:extLst>
       <p:ext uri="{BB962C8B-B14F-4D97-AF65-F5344CB8AC3E}">
         <p14:creationId xmlns:p14="http://schemas.microsoft.com/office/powerpoint/2010/main" val="1730253788"/>
+      </p:ext>
+    </p:extLst>
+  </p:cSld>
+  <p:clrMapOvr>
+    <a:masterClrMapping/>
+  </p:clrMapOvr>
+</p:sldLayout>
+</file>
+
+<file path=ppt/slideLayouts/slideLayout12.xml><?xml version="1.0" encoding="utf-8"?>
+<p:sldLayout xmlns:a="http://schemas.openxmlformats.org/drawingml/2006/main" xmlns:r="http://schemas.openxmlformats.org/officeDocument/2006/relationships" xmlns:p="http://schemas.openxmlformats.org/presentationml/2006/main" matchingName="Title and body" type="tx">
+  <p:cSld name="Title and body">
+    <p:spTree>
+      <p:nvGrpSpPr>
+        <p:cNvPr id="1" name="Shape 16"/>
+        <p:cNvGrpSpPr/>
+        <p:nvPr/>
+      </p:nvGrpSpPr>
+      <p:grpSpPr>
+        <a:xfrm>
+          <a:off x="0" y="0"/>
+          <a:ext cx="0" cy="0"/>
+          <a:chOff x="0" y="0"/>
+          <a:chExt cx="0" cy="0"/>
+        </a:xfrm>
+      </p:grpSpPr>
+      <p:sp>
+        <p:nvSpPr>
+          <p:cNvPr id="17" name="Google Shape;17;p4"/>
+          <p:cNvSpPr txBox="1">
+            <a:spLocks noGrp="1"/>
+          </p:cNvSpPr>
+          <p:nvPr>
+            <p:ph type="title"/>
+          </p:nvPr>
+        </p:nvSpPr>
+        <p:spPr>
+          <a:xfrm>
+            <a:off x="415600" y="593367"/>
+            <a:ext cx="11360800" cy="763600"/>
+          </a:xfrm>
+          <a:prstGeom prst="rect">
+            <a:avLst/>
+          </a:prstGeom>
+        </p:spPr>
+        <p:txBody>
+          <a:bodyPr spcFirstLastPara="1" wrap="square" lIns="91425" tIns="91425" rIns="91425" bIns="91425" anchor="t" anchorCtr="0"/>
+          <a:lstStyle>
+            <a:lvl1pPr lvl="0">
+              <a:spcBef>
+                <a:spcPts val="0"/>
+              </a:spcBef>
+              <a:spcAft>
+                <a:spcPts val="0"/>
+              </a:spcAft>
+              <a:buSzPts val="2800"/>
+              <a:buNone/>
+              <a:defRPr/>
+            </a:lvl1pPr>
+            <a:lvl2pPr lvl="1">
+              <a:spcBef>
+                <a:spcPts val="0"/>
+              </a:spcBef>
+              <a:spcAft>
+                <a:spcPts val="0"/>
+              </a:spcAft>
+              <a:buSzPts val="2800"/>
+              <a:buNone/>
+              <a:defRPr/>
+            </a:lvl2pPr>
+            <a:lvl3pPr lvl="2">
+              <a:spcBef>
+                <a:spcPts val="0"/>
+              </a:spcBef>
+              <a:spcAft>
+                <a:spcPts val="0"/>
+              </a:spcAft>
+              <a:buSzPts val="2800"/>
+              <a:buNone/>
+              <a:defRPr/>
+            </a:lvl3pPr>
+            <a:lvl4pPr lvl="3">
+              <a:spcBef>
+                <a:spcPts val="0"/>
+              </a:spcBef>
+              <a:spcAft>
+                <a:spcPts val="0"/>
+              </a:spcAft>
+              <a:buSzPts val="2800"/>
+              <a:buNone/>
+              <a:defRPr/>
+            </a:lvl4pPr>
+            <a:lvl5pPr lvl="4">
+              <a:spcBef>
+                <a:spcPts val="0"/>
+              </a:spcBef>
+              <a:spcAft>
+                <a:spcPts val="0"/>
+              </a:spcAft>
+              <a:buSzPts val="2800"/>
+              <a:buNone/>
+              <a:defRPr/>
+            </a:lvl5pPr>
+            <a:lvl6pPr lvl="5">
+              <a:spcBef>
+                <a:spcPts val="0"/>
+              </a:spcBef>
+              <a:spcAft>
+                <a:spcPts val="0"/>
+              </a:spcAft>
+              <a:buSzPts val="2800"/>
+              <a:buNone/>
+              <a:defRPr/>
+            </a:lvl6pPr>
+            <a:lvl7pPr lvl="6">
+              <a:spcBef>
+                <a:spcPts val="0"/>
+              </a:spcBef>
+              <a:spcAft>
+                <a:spcPts val="0"/>
+              </a:spcAft>
+              <a:buSzPts val="2800"/>
+              <a:buNone/>
+              <a:defRPr/>
+            </a:lvl7pPr>
+            <a:lvl8pPr lvl="7">
+              <a:spcBef>
+                <a:spcPts val="0"/>
+              </a:spcBef>
+              <a:spcAft>
+                <a:spcPts val="0"/>
+              </a:spcAft>
+              <a:buSzPts val="2800"/>
+              <a:buNone/>
+              <a:defRPr/>
+            </a:lvl8pPr>
+            <a:lvl9pPr lvl="8">
+              <a:spcBef>
+                <a:spcPts val="0"/>
+              </a:spcBef>
+              <a:spcAft>
+                <a:spcPts val="0"/>
+              </a:spcAft>
+              <a:buSzPts val="2800"/>
+              <a:buNone/>
+              <a:defRPr/>
+            </a:lvl9pPr>
+          </a:lstStyle>
+          <a:p>
+            <a:endParaRPr/>
+          </a:p>
+        </p:txBody>
+      </p:sp>
+      <p:sp>
+        <p:nvSpPr>
+          <p:cNvPr id="18" name="Google Shape;18;p4"/>
+          <p:cNvSpPr txBox="1">
+            <a:spLocks noGrp="1"/>
+          </p:cNvSpPr>
+          <p:nvPr>
+            <p:ph type="body" idx="1"/>
+          </p:nvPr>
+        </p:nvSpPr>
+        <p:spPr>
+          <a:xfrm>
+            <a:off x="415600" y="1536633"/>
+            <a:ext cx="11360800" cy="4555200"/>
+          </a:xfrm>
+          <a:prstGeom prst="rect">
+            <a:avLst/>
+          </a:prstGeom>
+        </p:spPr>
+        <p:txBody>
+          <a:bodyPr spcFirstLastPara="1" wrap="square" lIns="91425" tIns="91425" rIns="91425" bIns="91425" anchor="t" anchorCtr="0"/>
+          <a:lstStyle>
+            <a:lvl1pPr marL="609585" lvl="0" indent="-457189">
+              <a:spcBef>
+                <a:spcPts val="0"/>
+              </a:spcBef>
+              <a:spcAft>
+                <a:spcPts val="0"/>
+              </a:spcAft>
+              <a:buSzPts val="1800"/>
+              <a:buChar char="●"/>
+              <a:defRPr/>
+            </a:lvl1pPr>
+            <a:lvl2pPr marL="1219170" lvl="1" indent="-423323">
+              <a:spcBef>
+                <a:spcPts val="2133"/>
+              </a:spcBef>
+              <a:spcAft>
+                <a:spcPts val="0"/>
+              </a:spcAft>
+              <a:buSzPts val="1400"/>
+              <a:buChar char="○"/>
+              <a:defRPr/>
+            </a:lvl2pPr>
+            <a:lvl3pPr marL="1828754" lvl="2" indent="-423323">
+              <a:spcBef>
+                <a:spcPts val="2133"/>
+              </a:spcBef>
+              <a:spcAft>
+                <a:spcPts val="0"/>
+              </a:spcAft>
+              <a:buSzPts val="1400"/>
+              <a:buChar char="■"/>
+              <a:defRPr/>
+            </a:lvl3pPr>
+            <a:lvl4pPr marL="2438339" lvl="3" indent="-423323">
+              <a:spcBef>
+                <a:spcPts val="2133"/>
+              </a:spcBef>
+              <a:spcAft>
+                <a:spcPts val="0"/>
+              </a:spcAft>
+              <a:buSzPts val="1400"/>
+              <a:buChar char="●"/>
+              <a:defRPr/>
+            </a:lvl4pPr>
+            <a:lvl5pPr marL="3047924" lvl="4" indent="-423323">
+              <a:spcBef>
+                <a:spcPts val="2133"/>
+              </a:spcBef>
+              <a:spcAft>
+                <a:spcPts val="0"/>
+              </a:spcAft>
+              <a:buSzPts val="1400"/>
+              <a:buChar char="○"/>
+              <a:defRPr/>
+            </a:lvl5pPr>
+            <a:lvl6pPr marL="3657509" lvl="5" indent="-423323">
+              <a:spcBef>
+                <a:spcPts val="2133"/>
+              </a:spcBef>
+              <a:spcAft>
+                <a:spcPts val="0"/>
+              </a:spcAft>
+              <a:buSzPts val="1400"/>
+              <a:buChar char="■"/>
+              <a:defRPr/>
+            </a:lvl6pPr>
+            <a:lvl7pPr marL="4267093" lvl="6" indent="-423323">
+              <a:spcBef>
+                <a:spcPts val="2133"/>
+              </a:spcBef>
+              <a:spcAft>
+                <a:spcPts val="0"/>
+              </a:spcAft>
+              <a:buSzPts val="1400"/>
+              <a:buChar char="●"/>
+              <a:defRPr/>
+            </a:lvl7pPr>
+            <a:lvl8pPr marL="4876678" lvl="7" indent="-423323">
+              <a:spcBef>
+                <a:spcPts val="2133"/>
+              </a:spcBef>
+              <a:spcAft>
+                <a:spcPts val="0"/>
+              </a:spcAft>
+              <a:buSzPts val="1400"/>
+              <a:buChar char="○"/>
+              <a:defRPr/>
+            </a:lvl8pPr>
+            <a:lvl9pPr marL="5486263" lvl="8" indent="-423323">
+              <a:spcBef>
+                <a:spcPts val="2133"/>
+              </a:spcBef>
+              <a:spcAft>
+                <a:spcPts val="2133"/>
+              </a:spcAft>
+              <a:buSzPts val="1400"/>
+              <a:buChar char="■"/>
+              <a:defRPr/>
+            </a:lvl9pPr>
+          </a:lstStyle>
+          <a:p>
+            <a:endParaRPr/>
+          </a:p>
+        </p:txBody>
+      </p:sp>
+      <p:sp>
+        <p:nvSpPr>
+          <p:cNvPr id="19" name="Google Shape;19;p4"/>
+          <p:cNvSpPr txBox="1">
+            <a:spLocks noGrp="1"/>
+          </p:cNvSpPr>
+          <p:nvPr>
+            <p:ph type="sldNum" idx="12"/>
+          </p:nvPr>
+        </p:nvSpPr>
+        <p:spPr>
+          <a:xfrm>
+            <a:off x="11296611" y="6217623"/>
+            <a:ext cx="731600" cy="524800"/>
+          </a:xfrm>
+          <a:prstGeom prst="rect">
+            <a:avLst/>
+          </a:prstGeom>
+        </p:spPr>
+        <p:txBody>
+          <a:bodyPr spcFirstLastPara="1" wrap="square" lIns="91425" tIns="91425" rIns="91425" bIns="91425" anchor="ctr" anchorCtr="0">
+            <a:noAutofit/>
+          </a:bodyPr>
+          <a:lstStyle>
+            <a:lvl1pPr lvl="0">
+              <a:buNone/>
+              <a:defRPr/>
+            </a:lvl1pPr>
+            <a:lvl2pPr lvl="1">
+              <a:buNone/>
+              <a:defRPr/>
+            </a:lvl2pPr>
+            <a:lvl3pPr lvl="2">
+              <a:buNone/>
+              <a:defRPr/>
+            </a:lvl3pPr>
+            <a:lvl4pPr lvl="3">
+              <a:buNone/>
+              <a:defRPr/>
+            </a:lvl4pPr>
+            <a:lvl5pPr lvl="4">
+              <a:buNone/>
+              <a:defRPr/>
+            </a:lvl5pPr>
+            <a:lvl6pPr lvl="5">
+              <a:buNone/>
+              <a:defRPr/>
+            </a:lvl6pPr>
+            <a:lvl7pPr lvl="6">
+              <a:buNone/>
+              <a:defRPr/>
+            </a:lvl7pPr>
+            <a:lvl8pPr lvl="7">
+              <a:buNone/>
+              <a:defRPr/>
+            </a:lvl8pPr>
+            <a:lvl9pPr lvl="8">
+              <a:buNone/>
+              <a:defRPr/>
+            </a:lvl9pPr>
+          </a:lstStyle>
+          <a:p>
+            <a:fld id="{00000000-1234-1234-1234-123412341234}" type="slidenum">
+              <a:rPr lang="en" smtClean="0"/>
+              <a:pPr/>
+              <a:t>‹#›</a:t>
+            </a:fld>
+            <a:endParaRPr lang="en"/>
+          </a:p>
+        </p:txBody>
+      </p:sp>
+    </p:spTree>
+    <p:extLst>
+      <p:ext uri="{BB962C8B-B14F-4D97-AF65-F5344CB8AC3E}">
+        <p14:creationId xmlns:p14="http://schemas.microsoft.com/office/powerpoint/2010/main" val="1658172320"/>
       </p:ext>
     </p:extLst>
   </p:cSld>
@@ -1038,10 +1996,9 @@
           <a:lstStyle/>
           <a:p>
             <a:r>
-              <a:rPr lang="en-US" smtClean="0"/>
+              <a:rPr lang="en-US"/>
               <a:t>Click to edit Master title style</a:t>
             </a:r>
-            <a:endParaRPr lang="en-US"/>
           </a:p>
         </p:txBody>
       </p:sp>
@@ -1062,38 +2019,37 @@
           <a:p>
             <a:pPr lvl="0"/>
             <a:r>
-              <a:rPr lang="en-US" smtClean="0"/>
+              <a:rPr lang="en-US"/>
               <a:t>Click to edit Master text styles</a:t>
             </a:r>
           </a:p>
           <a:p>
             <a:pPr lvl="1"/>
             <a:r>
-              <a:rPr lang="en-US" smtClean="0"/>
+              <a:rPr lang="en-US"/>
               <a:t>Second level</a:t>
             </a:r>
           </a:p>
           <a:p>
             <a:pPr lvl="2"/>
             <a:r>
-              <a:rPr lang="en-US" smtClean="0"/>
+              <a:rPr lang="en-US"/>
               <a:t>Third level</a:t>
             </a:r>
           </a:p>
           <a:p>
             <a:pPr lvl="3"/>
             <a:r>
-              <a:rPr lang="en-US" smtClean="0"/>
+              <a:rPr lang="en-US"/>
               <a:t>Fourth level</a:t>
             </a:r>
           </a:p>
           <a:p>
             <a:pPr lvl="4"/>
             <a:r>
-              <a:rPr lang="en-US" smtClean="0"/>
+              <a:rPr lang="en-US"/>
               <a:t>Fifth level</a:t>
             </a:r>
-            <a:endParaRPr lang="en-US"/>
           </a:p>
         </p:txBody>
       </p:sp>
@@ -1114,7 +2070,7 @@
           <a:p>
             <a:fld id="{4AFA1391-AA42-BF42-A4F4-18D0DBD981DD}" type="datetimeFigureOut">
               <a:rPr lang="en-US" smtClean="0"/>
-              <a:t>4/2/19</a:t>
+              <a:t>4/15/2019</a:t>
             </a:fld>
             <a:endParaRPr lang="en-US"/>
           </a:p>
@@ -1217,10 +2173,9 @@
           </a:lstStyle>
           <a:p>
             <a:r>
-              <a:rPr lang="en-US" smtClean="0"/>
+              <a:rPr lang="en-US"/>
               <a:t>Click to edit Master title style</a:t>
             </a:r>
-            <a:endParaRPr lang="en-US"/>
           </a:p>
         </p:txBody>
       </p:sp>
@@ -1337,7 +2292,7 @@
           <a:p>
             <a:pPr lvl="0"/>
             <a:r>
-              <a:rPr lang="en-US" smtClean="0"/>
+              <a:rPr lang="en-US"/>
               <a:t>Click to edit Master text styles</a:t>
             </a:r>
           </a:p>
@@ -1360,7 +2315,7 @@
           <a:p>
             <a:fld id="{4AFA1391-AA42-BF42-A4F4-18D0DBD981DD}" type="datetimeFigureOut">
               <a:rPr lang="en-US" smtClean="0"/>
-              <a:t>4/2/19</a:t>
+              <a:t>4/15/2019</a:t>
             </a:fld>
             <a:endParaRPr lang="en-US"/>
           </a:p>
@@ -1454,10 +2409,9 @@
           <a:lstStyle/>
           <a:p>
             <a:r>
-              <a:rPr lang="en-US" smtClean="0"/>
+              <a:rPr lang="en-US"/>
               <a:t>Click to edit Master title style</a:t>
             </a:r>
-            <a:endParaRPr lang="en-US"/>
           </a:p>
         </p:txBody>
       </p:sp>
@@ -1483,38 +2437,37 @@
           <a:p>
             <a:pPr lvl="0"/>
             <a:r>
-              <a:rPr lang="en-US" smtClean="0"/>
+              <a:rPr lang="en-US"/>
               <a:t>Click to edit Master text styles</a:t>
             </a:r>
           </a:p>
           <a:p>
             <a:pPr lvl="1"/>
             <a:r>
-              <a:rPr lang="en-US" smtClean="0"/>
+              <a:rPr lang="en-US"/>
               <a:t>Second level</a:t>
             </a:r>
           </a:p>
           <a:p>
             <a:pPr lvl="2"/>
             <a:r>
-              <a:rPr lang="en-US" smtClean="0"/>
+              <a:rPr lang="en-US"/>
               <a:t>Third level</a:t>
             </a:r>
           </a:p>
           <a:p>
             <a:pPr lvl="3"/>
             <a:r>
-              <a:rPr lang="en-US" smtClean="0"/>
+              <a:rPr lang="en-US"/>
               <a:t>Fourth level</a:t>
             </a:r>
           </a:p>
           <a:p>
             <a:pPr lvl="4"/>
             <a:r>
-              <a:rPr lang="en-US" smtClean="0"/>
+              <a:rPr lang="en-US"/>
               <a:t>Fifth level</a:t>
             </a:r>
-            <a:endParaRPr lang="en-US"/>
           </a:p>
         </p:txBody>
       </p:sp>
@@ -1540,38 +2493,37 @@
           <a:p>
             <a:pPr lvl="0"/>
             <a:r>
-              <a:rPr lang="en-US" smtClean="0"/>
+              <a:rPr lang="en-US"/>
               <a:t>Click to edit Master text styles</a:t>
             </a:r>
           </a:p>
           <a:p>
             <a:pPr lvl="1"/>
             <a:r>
-              <a:rPr lang="en-US" smtClean="0"/>
+              <a:rPr lang="en-US"/>
               <a:t>Second level</a:t>
             </a:r>
           </a:p>
           <a:p>
             <a:pPr lvl="2"/>
             <a:r>
-              <a:rPr lang="en-US" smtClean="0"/>
+              <a:rPr lang="en-US"/>
               <a:t>Third level</a:t>
             </a:r>
           </a:p>
           <a:p>
             <a:pPr lvl="3"/>
             <a:r>
-              <a:rPr lang="en-US" smtClean="0"/>
+              <a:rPr lang="en-US"/>
               <a:t>Fourth level</a:t>
             </a:r>
           </a:p>
           <a:p>
             <a:pPr lvl="4"/>
             <a:r>
-              <a:rPr lang="en-US" smtClean="0"/>
+              <a:rPr lang="en-US"/>
               <a:t>Fifth level</a:t>
             </a:r>
-            <a:endParaRPr lang="en-US"/>
           </a:p>
         </p:txBody>
       </p:sp>
@@ -1592,7 +2544,7 @@
           <a:p>
             <a:fld id="{4AFA1391-AA42-BF42-A4F4-18D0DBD981DD}" type="datetimeFigureOut">
               <a:rPr lang="en-US" smtClean="0"/>
-              <a:t>4/2/19</a:t>
+              <a:t>4/15/2019</a:t>
             </a:fld>
             <a:endParaRPr lang="en-US"/>
           </a:p>
@@ -1691,10 +2643,9 @@
           <a:lstStyle/>
           <a:p>
             <a:r>
-              <a:rPr lang="en-US" smtClean="0"/>
+              <a:rPr lang="en-US"/>
               <a:t>Click to edit Master title style</a:t>
             </a:r>
-            <a:endParaRPr lang="en-US"/>
           </a:p>
         </p:txBody>
       </p:sp>
@@ -1757,7 +2708,7 @@
           <a:p>
             <a:pPr lvl="0"/>
             <a:r>
-              <a:rPr lang="en-US" smtClean="0"/>
+              <a:rPr lang="en-US"/>
               <a:t>Click to edit Master text styles</a:t>
             </a:r>
           </a:p>
@@ -1785,38 +2736,37 @@
           <a:p>
             <a:pPr lvl="0"/>
             <a:r>
-              <a:rPr lang="en-US" smtClean="0"/>
+              <a:rPr lang="en-US"/>
               <a:t>Click to edit Master text styles</a:t>
             </a:r>
           </a:p>
           <a:p>
             <a:pPr lvl="1"/>
             <a:r>
-              <a:rPr lang="en-US" smtClean="0"/>
+              <a:rPr lang="en-US"/>
               <a:t>Second level</a:t>
             </a:r>
           </a:p>
           <a:p>
             <a:pPr lvl="2"/>
             <a:r>
-              <a:rPr lang="en-US" smtClean="0"/>
+              <a:rPr lang="en-US"/>
               <a:t>Third level</a:t>
             </a:r>
           </a:p>
           <a:p>
             <a:pPr lvl="3"/>
             <a:r>
-              <a:rPr lang="en-US" smtClean="0"/>
+              <a:rPr lang="en-US"/>
               <a:t>Fourth level</a:t>
             </a:r>
           </a:p>
           <a:p>
             <a:pPr lvl="4"/>
             <a:r>
-              <a:rPr lang="en-US" smtClean="0"/>
+              <a:rPr lang="en-US"/>
               <a:t>Fifth level</a:t>
             </a:r>
-            <a:endParaRPr lang="en-US"/>
           </a:p>
         </p:txBody>
       </p:sp>
@@ -1879,7 +2829,7 @@
           <a:p>
             <a:pPr lvl="0"/>
             <a:r>
-              <a:rPr lang="en-US" smtClean="0"/>
+              <a:rPr lang="en-US"/>
               <a:t>Click to edit Master text styles</a:t>
             </a:r>
           </a:p>
@@ -1907,38 +2857,37 @@
           <a:p>
             <a:pPr lvl="0"/>
             <a:r>
-              <a:rPr lang="en-US" smtClean="0"/>
+              <a:rPr lang="en-US"/>
               <a:t>Click to edit Master text styles</a:t>
             </a:r>
           </a:p>
           <a:p>
             <a:pPr lvl="1"/>
             <a:r>
-              <a:rPr lang="en-US" smtClean="0"/>
+              <a:rPr lang="en-US"/>
               <a:t>Second level</a:t>
             </a:r>
           </a:p>
           <a:p>
             <a:pPr lvl="2"/>
             <a:r>
-              <a:rPr lang="en-US" smtClean="0"/>
+              <a:rPr lang="en-US"/>
               <a:t>Third level</a:t>
             </a:r>
           </a:p>
           <a:p>
             <a:pPr lvl="3"/>
             <a:r>
-              <a:rPr lang="en-US" smtClean="0"/>
+              <a:rPr lang="en-US"/>
               <a:t>Fourth level</a:t>
             </a:r>
           </a:p>
           <a:p>
             <a:pPr lvl="4"/>
             <a:r>
-              <a:rPr lang="en-US" smtClean="0"/>
+              <a:rPr lang="en-US"/>
               <a:t>Fifth level</a:t>
             </a:r>
-            <a:endParaRPr lang="en-US"/>
           </a:p>
         </p:txBody>
       </p:sp>
@@ -1959,7 +2908,7 @@
           <a:p>
             <a:fld id="{4AFA1391-AA42-BF42-A4F4-18D0DBD981DD}" type="datetimeFigureOut">
               <a:rPr lang="en-US" smtClean="0"/>
-              <a:t>4/2/19</a:t>
+              <a:t>4/15/2019</a:t>
             </a:fld>
             <a:endParaRPr lang="en-US"/>
           </a:p>
@@ -2053,10 +3002,9 @@
           <a:lstStyle/>
           <a:p>
             <a:r>
-              <a:rPr lang="en-US" smtClean="0"/>
+              <a:rPr lang="en-US"/>
               <a:t>Click to edit Master title style</a:t>
             </a:r>
-            <a:endParaRPr lang="en-US"/>
           </a:p>
         </p:txBody>
       </p:sp>
@@ -2077,7 +3025,7 @@
           <a:p>
             <a:fld id="{4AFA1391-AA42-BF42-A4F4-18D0DBD981DD}" type="datetimeFigureOut">
               <a:rPr lang="en-US" smtClean="0"/>
-              <a:t>4/2/19</a:t>
+              <a:t>4/15/2019</a:t>
             </a:fld>
             <a:endParaRPr lang="en-US"/>
           </a:p>
@@ -2172,7 +3120,7 @@
           <a:p>
             <a:fld id="{4AFA1391-AA42-BF42-A4F4-18D0DBD981DD}" type="datetimeFigureOut">
               <a:rPr lang="en-US" smtClean="0"/>
-              <a:t>4/2/19</a:t>
+              <a:t>4/15/2019</a:t>
             </a:fld>
             <a:endParaRPr lang="en-US"/>
           </a:p>
@@ -2275,10 +3223,9 @@
           </a:lstStyle>
           <a:p>
             <a:r>
-              <a:rPr lang="en-US" smtClean="0"/>
+              <a:rPr lang="en-US"/>
               <a:t>Click to edit Master title style</a:t>
             </a:r>
-            <a:endParaRPr lang="en-US"/>
           </a:p>
         </p:txBody>
       </p:sp>
@@ -2332,38 +3279,37 @@
           <a:p>
             <a:pPr lvl="0"/>
             <a:r>
-              <a:rPr lang="en-US" smtClean="0"/>
+              <a:rPr lang="en-US"/>
               <a:t>Click to edit Master text styles</a:t>
             </a:r>
           </a:p>
           <a:p>
             <a:pPr lvl="1"/>
             <a:r>
-              <a:rPr lang="en-US" smtClean="0"/>
+              <a:rPr lang="en-US"/>
               <a:t>Second level</a:t>
             </a:r>
           </a:p>
           <a:p>
             <a:pPr lvl="2"/>
             <a:r>
-              <a:rPr lang="en-US" smtClean="0"/>
+              <a:rPr lang="en-US"/>
               <a:t>Third level</a:t>
             </a:r>
           </a:p>
           <a:p>
             <a:pPr lvl="3"/>
             <a:r>
-              <a:rPr lang="en-US" smtClean="0"/>
+              <a:rPr lang="en-US"/>
               <a:t>Fourth level</a:t>
             </a:r>
           </a:p>
           <a:p>
             <a:pPr lvl="4"/>
             <a:r>
-              <a:rPr lang="en-US" smtClean="0"/>
+              <a:rPr lang="en-US"/>
               <a:t>Fifth level</a:t>
             </a:r>
-            <a:endParaRPr lang="en-US"/>
           </a:p>
         </p:txBody>
       </p:sp>
@@ -2426,7 +3372,7 @@
           <a:p>
             <a:pPr lvl="0"/>
             <a:r>
-              <a:rPr lang="en-US" smtClean="0"/>
+              <a:rPr lang="en-US"/>
               <a:t>Click to edit Master text styles</a:t>
             </a:r>
           </a:p>
@@ -2449,7 +3395,7 @@
           <a:p>
             <a:fld id="{4AFA1391-AA42-BF42-A4F4-18D0DBD981DD}" type="datetimeFigureOut">
               <a:rPr lang="en-US" smtClean="0"/>
-              <a:t>4/2/19</a:t>
+              <a:t>4/15/2019</a:t>
             </a:fld>
             <a:endParaRPr lang="en-US"/>
           </a:p>
@@ -2552,10 +3498,9 @@
           </a:lstStyle>
           <a:p>
             <a:r>
-              <a:rPr lang="en-US" smtClean="0"/>
+              <a:rPr lang="en-US"/>
               <a:t>Click to edit Master title style</a:t>
             </a:r>
-            <a:endParaRPr lang="en-US"/>
           </a:p>
         </p:txBody>
       </p:sp>
@@ -2679,7 +3624,7 @@
           <a:p>
             <a:pPr lvl="0"/>
             <a:r>
-              <a:rPr lang="en-US" smtClean="0"/>
+              <a:rPr lang="en-US"/>
               <a:t>Click to edit Master text styles</a:t>
             </a:r>
           </a:p>
@@ -2702,7 +3647,7 @@
           <a:p>
             <a:fld id="{4AFA1391-AA42-BF42-A4F4-18D0DBD981DD}" type="datetimeFigureOut">
               <a:rPr lang="en-US" smtClean="0"/>
-              <a:t>4/2/19</a:t>
+              <a:t>4/15/2019</a:t>
             </a:fld>
             <a:endParaRPr lang="en-US"/>
           </a:p>
@@ -2811,10 +3756,9 @@
           <a:lstStyle/>
           <a:p>
             <a:r>
-              <a:rPr lang="en-US" smtClean="0"/>
+              <a:rPr lang="en-US"/>
               <a:t>Click to edit Master title style</a:t>
             </a:r>
-            <a:endParaRPr lang="en-US"/>
           </a:p>
         </p:txBody>
       </p:sp>
@@ -2845,38 +3789,37 @@
           <a:p>
             <a:pPr lvl="0"/>
             <a:r>
-              <a:rPr lang="en-US" smtClean="0"/>
+              <a:rPr lang="en-US"/>
               <a:t>Click to edit Master text styles</a:t>
             </a:r>
           </a:p>
           <a:p>
             <a:pPr lvl="1"/>
             <a:r>
-              <a:rPr lang="en-US" smtClean="0"/>
+              <a:rPr lang="en-US"/>
               <a:t>Second level</a:t>
             </a:r>
           </a:p>
           <a:p>
             <a:pPr lvl="2"/>
             <a:r>
-              <a:rPr lang="en-US" smtClean="0"/>
+              <a:rPr lang="en-US"/>
               <a:t>Third level</a:t>
             </a:r>
           </a:p>
           <a:p>
             <a:pPr lvl="3"/>
             <a:r>
-              <a:rPr lang="en-US" smtClean="0"/>
+              <a:rPr lang="en-US"/>
               <a:t>Fourth level</a:t>
             </a:r>
           </a:p>
           <a:p>
             <a:pPr lvl="4"/>
             <a:r>
-              <a:rPr lang="en-US" smtClean="0"/>
+              <a:rPr lang="en-US"/>
               <a:t>Fifth level</a:t>
             </a:r>
-            <a:endParaRPr lang="en-US"/>
           </a:p>
         </p:txBody>
       </p:sp>
@@ -2915,7 +3858,7 @@
           <a:p>
             <a:fld id="{4AFA1391-AA42-BF42-A4F4-18D0DBD981DD}" type="datetimeFigureOut">
               <a:rPr lang="en-US" smtClean="0"/>
-              <a:t>4/2/19</a:t>
+              <a:t>4/15/2019</a:t>
             </a:fld>
             <a:endParaRPr lang="en-US"/>
           </a:p>
@@ -3019,6 +3962,7 @@
     <p:sldLayoutId id="2147483657" r:id="rId9"/>
     <p:sldLayoutId id="2147483658" r:id="rId10"/>
     <p:sldLayoutId id="2147483659" r:id="rId11"/>
+    <p:sldLayoutId id="2147483660" r:id="rId12"/>
   </p:sldLayoutIdLst>
   <p:txStyles>
     <p:titleStyle>
@@ -3426,10 +4370,9 @@
           <a:lstStyle/>
           <a:p>
             <a:r>
-              <a:rPr lang="en-US" dirty="0" smtClean="0"/>
+              <a:rPr lang="en-US" dirty="0"/>
               <a:t>List of </a:t>
             </a:r>
-            <a:endParaRPr lang="en-US" dirty="0"/>
           </a:p>
         </p:txBody>
       </p:sp>
@@ -3619,6 +4562,1838 @@
         <p14:creationId xmlns:p14="http://schemas.microsoft.com/office/powerpoint/2010/main" val="1757300511"/>
       </p:ext>
     </p:extLst>
+  </p:cSld>
+  <p:clrMapOvr>
+    <a:masterClrMapping/>
+  </p:clrMapOvr>
+</p:sld>
+</file>
+
+<file path=ppt/slides/slide5.xml><?xml version="1.0" encoding="utf-8"?>
+<p:sld xmlns:a="http://schemas.openxmlformats.org/drawingml/2006/main" xmlns:r="http://schemas.openxmlformats.org/officeDocument/2006/relationships" xmlns:p="http://schemas.openxmlformats.org/presentationml/2006/main">
+  <p:cSld>
+    <p:spTree>
+      <p:nvGrpSpPr>
+        <p:cNvPr id="1" name="Shape 53"/>
+        <p:cNvGrpSpPr/>
+        <p:nvPr/>
+      </p:nvGrpSpPr>
+      <p:grpSpPr>
+        <a:xfrm>
+          <a:off x="0" y="0"/>
+          <a:ext cx="0" cy="0"/>
+          <a:chOff x="0" y="0"/>
+          <a:chExt cx="0" cy="0"/>
+        </a:xfrm>
+      </p:grpSpPr>
+      <p:pic>
+        <p:nvPicPr>
+          <p:cNvPr id="54" name="Google Shape;54;p13"/>
+          <p:cNvPicPr preferRelativeResize="0"/>
+          <p:nvPr/>
+        </p:nvPicPr>
+        <p:blipFill>
+          <a:blip r:embed="rId3">
+            <a:alphaModFix/>
+          </a:blip>
+          <a:stretch>
+            <a:fillRect/>
+          </a:stretch>
+        </p:blipFill>
+        <p:spPr>
+          <a:xfrm>
+            <a:off x="2453267" y="109400"/>
+            <a:ext cx="8160316" cy="6451600"/>
+          </a:xfrm>
+          <a:prstGeom prst="rect">
+            <a:avLst/>
+          </a:prstGeom>
+          <a:noFill/>
+          <a:ln>
+            <a:noFill/>
+          </a:ln>
+        </p:spPr>
+      </p:pic>
+      <p:sp>
+        <p:nvSpPr>
+          <p:cNvPr id="55" name="Google Shape;55;p13"/>
+          <p:cNvSpPr txBox="1"/>
+          <p:nvPr/>
+        </p:nvSpPr>
+        <p:spPr>
+          <a:xfrm>
+            <a:off x="10547633" y="5639500"/>
+            <a:ext cx="1534800" cy="358800"/>
+          </a:xfrm>
+          <a:prstGeom prst="rect">
+            <a:avLst/>
+          </a:prstGeom>
+          <a:solidFill>
+            <a:srgbClr val="FF9900"/>
+          </a:solidFill>
+          <a:ln>
+            <a:noFill/>
+          </a:ln>
+        </p:spPr>
+        <p:txBody>
+          <a:bodyPr spcFirstLastPara="1" wrap="square" lIns="121900" tIns="121900" rIns="121900" bIns="121900" anchor="ctr" anchorCtr="0">
+            <a:noAutofit/>
+          </a:bodyPr>
+          <a:lstStyle/>
+          <a:p>
+            <a:pPr algn="ctr"/>
+            <a:r>
+              <a:rPr lang="en" sz="1333">
+                <a:latin typeface="Consolas"/>
+                <a:ea typeface="Consolas"/>
+                <a:cs typeface="Consolas"/>
+                <a:sym typeface="Consolas"/>
+              </a:rPr>
+              <a:t>Mode Display</a:t>
+            </a:r>
+            <a:endParaRPr sz="1333">
+              <a:latin typeface="Consolas"/>
+              <a:ea typeface="Consolas"/>
+              <a:cs typeface="Consolas"/>
+              <a:sym typeface="Consolas"/>
+            </a:endParaRPr>
+          </a:p>
+        </p:txBody>
+      </p:sp>
+      <p:sp>
+        <p:nvSpPr>
+          <p:cNvPr id="56" name="Google Shape;56;p13"/>
+          <p:cNvSpPr/>
+          <p:nvPr/>
+        </p:nvSpPr>
+        <p:spPr>
+          <a:xfrm>
+            <a:off x="8926833" y="5706300"/>
+            <a:ext cx="1282000" cy="225200"/>
+          </a:xfrm>
+          <a:prstGeom prst="rect">
+            <a:avLst/>
+          </a:prstGeom>
+          <a:noFill/>
+          <a:ln w="38100" cap="flat" cmpd="sng">
+            <a:solidFill>
+              <a:srgbClr val="FF9900"/>
+            </a:solidFill>
+            <a:prstDash val="solid"/>
+            <a:round/>
+            <a:headEnd type="none" w="sm" len="sm"/>
+            <a:tailEnd type="none" w="sm" len="sm"/>
+          </a:ln>
+        </p:spPr>
+        <p:txBody>
+          <a:bodyPr spcFirstLastPara="1" wrap="square" lIns="121900" tIns="121900" rIns="121900" bIns="121900" anchor="ctr" anchorCtr="0">
+            <a:noAutofit/>
+          </a:bodyPr>
+          <a:lstStyle/>
+          <a:p>
+            <a:endParaRPr sz="2400"/>
+          </a:p>
+        </p:txBody>
+      </p:sp>
+      <p:cxnSp>
+        <p:nvCxnSpPr>
+          <p:cNvPr id="57" name="Google Shape;57;p13"/>
+          <p:cNvCxnSpPr>
+            <a:stCxn id="56" idx="3"/>
+            <a:endCxn id="55" idx="1"/>
+          </p:cNvCxnSpPr>
+          <p:nvPr/>
+        </p:nvCxnSpPr>
+        <p:spPr>
+          <a:xfrm>
+            <a:off x="10208833" y="5818900"/>
+            <a:ext cx="338800" cy="0"/>
+          </a:xfrm>
+          <a:prstGeom prst="straightConnector1">
+            <a:avLst/>
+          </a:prstGeom>
+          <a:noFill/>
+          <a:ln w="38100" cap="flat" cmpd="sng">
+            <a:solidFill>
+              <a:srgbClr val="FF9900"/>
+            </a:solidFill>
+            <a:prstDash val="solid"/>
+            <a:round/>
+            <a:headEnd type="none" w="med" len="med"/>
+            <a:tailEnd type="none" w="med" len="med"/>
+          </a:ln>
+        </p:spPr>
+      </p:cxnSp>
+      <p:sp>
+        <p:nvSpPr>
+          <p:cNvPr id="58" name="Google Shape;58;p13"/>
+          <p:cNvSpPr/>
+          <p:nvPr/>
+        </p:nvSpPr>
+        <p:spPr>
+          <a:xfrm>
+            <a:off x="2974000" y="791367"/>
+            <a:ext cx="7118800" cy="358800"/>
+          </a:xfrm>
+          <a:prstGeom prst="rect">
+            <a:avLst/>
+          </a:prstGeom>
+          <a:noFill/>
+          <a:ln w="28575" cap="flat" cmpd="sng">
+            <a:solidFill>
+              <a:srgbClr val="FF9900"/>
+            </a:solidFill>
+            <a:prstDash val="solid"/>
+            <a:round/>
+            <a:headEnd type="none" w="sm" len="sm"/>
+            <a:tailEnd type="none" w="sm" len="sm"/>
+          </a:ln>
+        </p:spPr>
+        <p:txBody>
+          <a:bodyPr spcFirstLastPara="1" wrap="square" lIns="121900" tIns="121900" rIns="121900" bIns="121900" anchor="ctr" anchorCtr="0">
+            <a:noAutofit/>
+          </a:bodyPr>
+          <a:lstStyle/>
+          <a:p>
+            <a:endParaRPr sz="2400"/>
+          </a:p>
+        </p:txBody>
+      </p:sp>
+      <p:sp>
+        <p:nvSpPr>
+          <p:cNvPr id="59" name="Google Shape;59;p13"/>
+          <p:cNvSpPr txBox="1"/>
+          <p:nvPr/>
+        </p:nvSpPr>
+        <p:spPr>
+          <a:xfrm>
+            <a:off x="10605400" y="791367"/>
+            <a:ext cx="1282000" cy="358800"/>
+          </a:xfrm>
+          <a:prstGeom prst="rect">
+            <a:avLst/>
+          </a:prstGeom>
+          <a:solidFill>
+            <a:srgbClr val="FF9900"/>
+          </a:solidFill>
+          <a:ln>
+            <a:noFill/>
+          </a:ln>
+        </p:spPr>
+        <p:txBody>
+          <a:bodyPr spcFirstLastPara="1" wrap="square" lIns="121900" tIns="121900" rIns="121900" bIns="121900" anchor="ctr" anchorCtr="0">
+            <a:noAutofit/>
+          </a:bodyPr>
+          <a:lstStyle/>
+          <a:p>
+            <a:pPr algn="ctr"/>
+            <a:r>
+              <a:rPr lang="en" sz="1333">
+                <a:latin typeface="Consolas"/>
+                <a:ea typeface="Consolas"/>
+                <a:cs typeface="Consolas"/>
+                <a:sym typeface="Consolas"/>
+              </a:rPr>
+              <a:t>Command Box</a:t>
+            </a:r>
+            <a:endParaRPr sz="1333">
+              <a:latin typeface="Consolas"/>
+              <a:ea typeface="Consolas"/>
+              <a:cs typeface="Consolas"/>
+              <a:sym typeface="Consolas"/>
+            </a:endParaRPr>
+          </a:p>
+        </p:txBody>
+      </p:sp>
+      <p:cxnSp>
+        <p:nvCxnSpPr>
+          <p:cNvPr id="60" name="Google Shape;60;p13"/>
+          <p:cNvCxnSpPr>
+            <a:stCxn id="59" idx="1"/>
+          </p:cNvCxnSpPr>
+          <p:nvPr/>
+        </p:nvCxnSpPr>
+        <p:spPr>
+          <a:xfrm rot="10800000">
+            <a:off x="10117800" y="968367"/>
+            <a:ext cx="487600" cy="2400"/>
+          </a:xfrm>
+          <a:prstGeom prst="straightConnector1">
+            <a:avLst/>
+          </a:prstGeom>
+          <a:noFill/>
+          <a:ln w="38100" cap="flat" cmpd="sng">
+            <a:solidFill>
+              <a:srgbClr val="FF9900"/>
+            </a:solidFill>
+            <a:prstDash val="solid"/>
+            <a:round/>
+            <a:headEnd type="none" w="med" len="med"/>
+            <a:tailEnd type="none" w="med" len="med"/>
+          </a:ln>
+        </p:spPr>
+      </p:cxnSp>
+      <p:sp>
+        <p:nvSpPr>
+          <p:cNvPr id="61" name="Google Shape;61;p13"/>
+          <p:cNvSpPr/>
+          <p:nvPr/>
+        </p:nvSpPr>
+        <p:spPr>
+          <a:xfrm>
+            <a:off x="2974033" y="1234300"/>
+            <a:ext cx="7118800" cy="631200"/>
+          </a:xfrm>
+          <a:prstGeom prst="rect">
+            <a:avLst/>
+          </a:prstGeom>
+          <a:noFill/>
+          <a:ln w="28575" cap="flat" cmpd="sng">
+            <a:solidFill>
+              <a:srgbClr val="FF9900"/>
+            </a:solidFill>
+            <a:prstDash val="solid"/>
+            <a:round/>
+            <a:headEnd type="none" w="sm" len="sm"/>
+            <a:tailEnd type="none" w="sm" len="sm"/>
+          </a:ln>
+        </p:spPr>
+        <p:txBody>
+          <a:bodyPr spcFirstLastPara="1" wrap="square" lIns="121900" tIns="121900" rIns="121900" bIns="121900" anchor="ctr" anchorCtr="0">
+            <a:noAutofit/>
+          </a:bodyPr>
+          <a:lstStyle/>
+          <a:p>
+            <a:endParaRPr sz="2400"/>
+          </a:p>
+        </p:txBody>
+      </p:sp>
+      <p:sp>
+        <p:nvSpPr>
+          <p:cNvPr id="62" name="Google Shape;62;p13"/>
+          <p:cNvSpPr txBox="1"/>
+          <p:nvPr/>
+        </p:nvSpPr>
+        <p:spPr>
+          <a:xfrm>
+            <a:off x="740000" y="1370500"/>
+            <a:ext cx="1694800" cy="358800"/>
+          </a:xfrm>
+          <a:prstGeom prst="rect">
+            <a:avLst/>
+          </a:prstGeom>
+          <a:solidFill>
+            <a:srgbClr val="FF9900"/>
+          </a:solidFill>
+          <a:ln>
+            <a:noFill/>
+          </a:ln>
+        </p:spPr>
+        <p:txBody>
+          <a:bodyPr spcFirstLastPara="1" wrap="square" lIns="121900" tIns="121900" rIns="121900" bIns="121900" anchor="ctr" anchorCtr="0">
+            <a:noAutofit/>
+          </a:bodyPr>
+          <a:lstStyle/>
+          <a:p>
+            <a:pPr algn="ctr"/>
+            <a:r>
+              <a:rPr lang="en" sz="1333">
+                <a:latin typeface="Consolas"/>
+                <a:ea typeface="Consolas"/>
+                <a:cs typeface="Consolas"/>
+                <a:sym typeface="Consolas"/>
+              </a:rPr>
+              <a:t>Results Display</a:t>
+            </a:r>
+            <a:endParaRPr sz="1333">
+              <a:latin typeface="Consolas"/>
+              <a:ea typeface="Consolas"/>
+              <a:cs typeface="Consolas"/>
+              <a:sym typeface="Consolas"/>
+            </a:endParaRPr>
+          </a:p>
+        </p:txBody>
+      </p:sp>
+      <p:cxnSp>
+        <p:nvCxnSpPr>
+          <p:cNvPr id="63" name="Google Shape;63;p13"/>
+          <p:cNvCxnSpPr>
+            <a:stCxn id="61" idx="1"/>
+          </p:cNvCxnSpPr>
+          <p:nvPr/>
+        </p:nvCxnSpPr>
+        <p:spPr>
+          <a:xfrm rot="10800000">
+            <a:off x="2384833" y="1548700"/>
+            <a:ext cx="589200" cy="1200"/>
+          </a:xfrm>
+          <a:prstGeom prst="straightConnector1">
+            <a:avLst/>
+          </a:prstGeom>
+          <a:noFill/>
+          <a:ln w="38100" cap="flat" cmpd="sng">
+            <a:solidFill>
+              <a:srgbClr val="FF9900"/>
+            </a:solidFill>
+            <a:prstDash val="solid"/>
+            <a:round/>
+            <a:headEnd type="none" w="med" len="med"/>
+            <a:tailEnd type="none" w="med" len="med"/>
+          </a:ln>
+        </p:spPr>
+      </p:cxnSp>
+      <p:sp>
+        <p:nvSpPr>
+          <p:cNvPr id="64" name="Google Shape;64;p13"/>
+          <p:cNvSpPr/>
+          <p:nvPr/>
+        </p:nvSpPr>
+        <p:spPr>
+          <a:xfrm>
+            <a:off x="11086434" y="501133"/>
+            <a:ext cx="319933" cy="358800"/>
+          </a:xfrm>
+          <a:prstGeom prst="flowChartOffpageConnector">
+            <a:avLst/>
+          </a:prstGeom>
+          <a:solidFill>
+            <a:srgbClr val="FFFFFF"/>
+          </a:solidFill>
+          <a:ln w="9525" cap="flat" cmpd="sng">
+            <a:solidFill>
+              <a:srgbClr val="FF9900"/>
+            </a:solidFill>
+            <a:prstDash val="solid"/>
+            <a:round/>
+            <a:headEnd type="none" w="sm" len="sm"/>
+            <a:tailEnd type="none" w="sm" len="sm"/>
+          </a:ln>
+        </p:spPr>
+        <p:txBody>
+          <a:bodyPr spcFirstLastPara="1" wrap="square" lIns="121900" tIns="121900" rIns="121900" bIns="121900" anchor="ctr" anchorCtr="0">
+            <a:noAutofit/>
+          </a:bodyPr>
+          <a:lstStyle/>
+          <a:p>
+            <a:pPr algn="ctr"/>
+            <a:r>
+              <a:rPr lang="en" sz="1333">
+                <a:latin typeface="Consolas"/>
+                <a:ea typeface="Consolas"/>
+                <a:cs typeface="Consolas"/>
+                <a:sym typeface="Consolas"/>
+              </a:rPr>
+              <a:t>1</a:t>
+            </a:r>
+            <a:endParaRPr sz="1333">
+              <a:latin typeface="Consolas"/>
+              <a:ea typeface="Consolas"/>
+              <a:cs typeface="Consolas"/>
+              <a:sym typeface="Consolas"/>
+            </a:endParaRPr>
+          </a:p>
+        </p:txBody>
+      </p:sp>
+      <p:sp>
+        <p:nvSpPr>
+          <p:cNvPr id="65" name="Google Shape;65;p13"/>
+          <p:cNvSpPr/>
+          <p:nvPr/>
+        </p:nvSpPr>
+        <p:spPr>
+          <a:xfrm>
+            <a:off x="1427434" y="1104433"/>
+            <a:ext cx="319933" cy="358800"/>
+          </a:xfrm>
+          <a:prstGeom prst="flowChartOffpageConnector">
+            <a:avLst/>
+          </a:prstGeom>
+          <a:solidFill>
+            <a:srgbClr val="FFFFFF"/>
+          </a:solidFill>
+          <a:ln w="9525" cap="flat" cmpd="sng">
+            <a:solidFill>
+              <a:srgbClr val="FF9900"/>
+            </a:solidFill>
+            <a:prstDash val="solid"/>
+            <a:round/>
+            <a:headEnd type="none" w="sm" len="sm"/>
+            <a:tailEnd type="none" w="sm" len="sm"/>
+          </a:ln>
+        </p:spPr>
+        <p:txBody>
+          <a:bodyPr spcFirstLastPara="1" wrap="square" lIns="121900" tIns="121900" rIns="121900" bIns="121900" anchor="ctr" anchorCtr="0">
+            <a:noAutofit/>
+          </a:bodyPr>
+          <a:lstStyle/>
+          <a:p>
+            <a:pPr algn="ctr"/>
+            <a:r>
+              <a:rPr lang="en" sz="1333">
+                <a:latin typeface="Consolas"/>
+                <a:ea typeface="Consolas"/>
+                <a:cs typeface="Consolas"/>
+                <a:sym typeface="Consolas"/>
+              </a:rPr>
+              <a:t>2</a:t>
+            </a:r>
+            <a:endParaRPr sz="1333">
+              <a:latin typeface="Consolas"/>
+              <a:ea typeface="Consolas"/>
+              <a:cs typeface="Consolas"/>
+              <a:sym typeface="Consolas"/>
+            </a:endParaRPr>
+          </a:p>
+        </p:txBody>
+      </p:sp>
+      <p:sp>
+        <p:nvSpPr>
+          <p:cNvPr id="66" name="Google Shape;66;p13"/>
+          <p:cNvSpPr/>
+          <p:nvPr/>
+        </p:nvSpPr>
+        <p:spPr>
+          <a:xfrm>
+            <a:off x="11155067" y="5347500"/>
+            <a:ext cx="319933" cy="358800"/>
+          </a:xfrm>
+          <a:prstGeom prst="flowChartOffpageConnector">
+            <a:avLst/>
+          </a:prstGeom>
+          <a:solidFill>
+            <a:srgbClr val="FFFFFF"/>
+          </a:solidFill>
+          <a:ln w="9525" cap="flat" cmpd="sng">
+            <a:solidFill>
+              <a:srgbClr val="FF9900"/>
+            </a:solidFill>
+            <a:prstDash val="solid"/>
+            <a:round/>
+            <a:headEnd type="none" w="sm" len="sm"/>
+            <a:tailEnd type="none" w="sm" len="sm"/>
+          </a:ln>
+        </p:spPr>
+        <p:txBody>
+          <a:bodyPr spcFirstLastPara="1" wrap="square" lIns="121900" tIns="121900" rIns="121900" bIns="121900" anchor="ctr" anchorCtr="0">
+            <a:noAutofit/>
+          </a:bodyPr>
+          <a:lstStyle/>
+          <a:p>
+            <a:pPr algn="ctr"/>
+            <a:r>
+              <a:rPr lang="en" sz="1333">
+                <a:latin typeface="Consolas"/>
+                <a:ea typeface="Consolas"/>
+                <a:cs typeface="Consolas"/>
+                <a:sym typeface="Consolas"/>
+              </a:rPr>
+              <a:t>3</a:t>
+            </a:r>
+            <a:endParaRPr sz="1333">
+              <a:latin typeface="Consolas"/>
+              <a:ea typeface="Consolas"/>
+              <a:cs typeface="Consolas"/>
+              <a:sym typeface="Consolas"/>
+            </a:endParaRPr>
+          </a:p>
+        </p:txBody>
+      </p:sp>
+      <p:sp>
+        <p:nvSpPr>
+          <p:cNvPr id="67" name="Google Shape;67;p13"/>
+          <p:cNvSpPr/>
+          <p:nvPr/>
+        </p:nvSpPr>
+        <p:spPr>
+          <a:xfrm>
+            <a:off x="2923467" y="1975100"/>
+            <a:ext cx="2657600" cy="3731200"/>
+          </a:xfrm>
+          <a:prstGeom prst="rect">
+            <a:avLst/>
+          </a:prstGeom>
+          <a:noFill/>
+          <a:ln w="28575" cap="flat" cmpd="sng">
+            <a:solidFill>
+              <a:srgbClr val="FF9900"/>
+            </a:solidFill>
+            <a:prstDash val="solid"/>
+            <a:round/>
+            <a:headEnd type="none" w="sm" len="sm"/>
+            <a:tailEnd type="none" w="sm" len="sm"/>
+          </a:ln>
+        </p:spPr>
+        <p:txBody>
+          <a:bodyPr spcFirstLastPara="1" wrap="square" lIns="121900" tIns="121900" rIns="121900" bIns="121900" anchor="ctr" anchorCtr="0">
+            <a:noAutofit/>
+          </a:bodyPr>
+          <a:lstStyle/>
+          <a:p>
+            <a:endParaRPr sz="2400"/>
+          </a:p>
+        </p:txBody>
+      </p:sp>
+      <p:sp>
+        <p:nvSpPr>
+          <p:cNvPr id="68" name="Google Shape;68;p13"/>
+          <p:cNvSpPr txBox="1"/>
+          <p:nvPr/>
+        </p:nvSpPr>
+        <p:spPr>
+          <a:xfrm>
+            <a:off x="960567" y="2528300"/>
+            <a:ext cx="1534800" cy="358800"/>
+          </a:xfrm>
+          <a:prstGeom prst="rect">
+            <a:avLst/>
+          </a:prstGeom>
+          <a:solidFill>
+            <a:srgbClr val="FF9900"/>
+          </a:solidFill>
+          <a:ln>
+            <a:noFill/>
+          </a:ln>
+        </p:spPr>
+        <p:txBody>
+          <a:bodyPr spcFirstLastPara="1" wrap="square" lIns="121900" tIns="121900" rIns="121900" bIns="121900" anchor="ctr" anchorCtr="0">
+            <a:noAutofit/>
+          </a:bodyPr>
+          <a:lstStyle/>
+          <a:p>
+            <a:pPr algn="ctr"/>
+            <a:r>
+              <a:rPr lang="en" sz="1333">
+                <a:latin typeface="Consolas"/>
+                <a:ea typeface="Consolas"/>
+                <a:cs typeface="Consolas"/>
+                <a:sym typeface="Consolas"/>
+              </a:rPr>
+              <a:t>Side Panel</a:t>
+            </a:r>
+            <a:endParaRPr sz="1333">
+              <a:latin typeface="Consolas"/>
+              <a:ea typeface="Consolas"/>
+              <a:cs typeface="Consolas"/>
+              <a:sym typeface="Consolas"/>
+            </a:endParaRPr>
+          </a:p>
+        </p:txBody>
+      </p:sp>
+      <p:cxnSp>
+        <p:nvCxnSpPr>
+          <p:cNvPr id="69" name="Google Shape;69;p13"/>
+          <p:cNvCxnSpPr>
+            <a:stCxn id="68" idx="3"/>
+          </p:cNvCxnSpPr>
+          <p:nvPr/>
+        </p:nvCxnSpPr>
+        <p:spPr>
+          <a:xfrm>
+            <a:off x="2495367" y="2707700"/>
+            <a:ext cx="428400" cy="400"/>
+          </a:xfrm>
+          <a:prstGeom prst="straightConnector1">
+            <a:avLst/>
+          </a:prstGeom>
+          <a:noFill/>
+          <a:ln w="38100" cap="flat" cmpd="sng">
+            <a:solidFill>
+              <a:srgbClr val="FF9900"/>
+            </a:solidFill>
+            <a:prstDash val="solid"/>
+            <a:round/>
+            <a:headEnd type="none" w="med" len="med"/>
+            <a:tailEnd type="none" w="med" len="med"/>
+          </a:ln>
+        </p:spPr>
+      </p:cxnSp>
+      <p:sp>
+        <p:nvSpPr>
+          <p:cNvPr id="70" name="Google Shape;70;p13"/>
+          <p:cNvSpPr/>
+          <p:nvPr/>
+        </p:nvSpPr>
+        <p:spPr>
+          <a:xfrm>
+            <a:off x="5742700" y="1975100"/>
+            <a:ext cx="4362000" cy="3619600"/>
+          </a:xfrm>
+          <a:prstGeom prst="rect">
+            <a:avLst/>
+          </a:prstGeom>
+          <a:noFill/>
+          <a:ln w="28575" cap="flat" cmpd="sng">
+            <a:solidFill>
+              <a:srgbClr val="FF9900"/>
+            </a:solidFill>
+            <a:prstDash val="solid"/>
+            <a:round/>
+            <a:headEnd type="none" w="sm" len="sm"/>
+            <a:tailEnd type="none" w="sm" len="sm"/>
+          </a:ln>
+        </p:spPr>
+        <p:txBody>
+          <a:bodyPr spcFirstLastPara="1" wrap="square" lIns="121900" tIns="121900" rIns="121900" bIns="121900" anchor="ctr" anchorCtr="0">
+            <a:noAutofit/>
+          </a:bodyPr>
+          <a:lstStyle/>
+          <a:p>
+            <a:endParaRPr sz="2400"/>
+          </a:p>
+        </p:txBody>
+      </p:sp>
+      <p:sp>
+        <p:nvSpPr>
+          <p:cNvPr id="71" name="Google Shape;71;p13"/>
+          <p:cNvSpPr txBox="1"/>
+          <p:nvPr/>
+        </p:nvSpPr>
+        <p:spPr>
+          <a:xfrm>
+            <a:off x="10605400" y="2525700"/>
+            <a:ext cx="1282000" cy="358800"/>
+          </a:xfrm>
+          <a:prstGeom prst="rect">
+            <a:avLst/>
+          </a:prstGeom>
+          <a:solidFill>
+            <a:srgbClr val="FF9900"/>
+          </a:solidFill>
+          <a:ln>
+            <a:noFill/>
+          </a:ln>
+        </p:spPr>
+        <p:txBody>
+          <a:bodyPr spcFirstLastPara="1" wrap="square" lIns="121900" tIns="121900" rIns="121900" bIns="121900" anchor="ctr" anchorCtr="0">
+            <a:noAutofit/>
+          </a:bodyPr>
+          <a:lstStyle/>
+          <a:p>
+            <a:pPr algn="ctr"/>
+            <a:r>
+              <a:rPr lang="en" sz="1333">
+                <a:latin typeface="Consolas"/>
+                <a:ea typeface="Consolas"/>
+                <a:cs typeface="Consolas"/>
+                <a:sym typeface="Consolas"/>
+              </a:rPr>
+              <a:t>Main Panel</a:t>
+            </a:r>
+            <a:endParaRPr sz="1333">
+              <a:latin typeface="Consolas"/>
+              <a:ea typeface="Consolas"/>
+              <a:cs typeface="Consolas"/>
+              <a:sym typeface="Consolas"/>
+            </a:endParaRPr>
+          </a:p>
+        </p:txBody>
+      </p:sp>
+      <p:cxnSp>
+        <p:nvCxnSpPr>
+          <p:cNvPr id="72" name="Google Shape;72;p13"/>
+          <p:cNvCxnSpPr>
+            <a:stCxn id="71" idx="1"/>
+          </p:cNvCxnSpPr>
+          <p:nvPr/>
+        </p:nvCxnSpPr>
+        <p:spPr>
+          <a:xfrm rot="10800000">
+            <a:off x="10117800" y="2702700"/>
+            <a:ext cx="487600" cy="2400"/>
+          </a:xfrm>
+          <a:prstGeom prst="straightConnector1">
+            <a:avLst/>
+          </a:prstGeom>
+          <a:noFill/>
+          <a:ln w="38100" cap="flat" cmpd="sng">
+            <a:solidFill>
+              <a:srgbClr val="FF9900"/>
+            </a:solidFill>
+            <a:prstDash val="solid"/>
+            <a:round/>
+            <a:headEnd type="none" w="med" len="med"/>
+            <a:tailEnd type="none" w="med" len="med"/>
+          </a:ln>
+        </p:spPr>
+      </p:cxnSp>
+      <p:sp>
+        <p:nvSpPr>
+          <p:cNvPr id="73" name="Google Shape;73;p13"/>
+          <p:cNvSpPr/>
+          <p:nvPr/>
+        </p:nvSpPr>
+        <p:spPr>
+          <a:xfrm>
+            <a:off x="1568000" y="2245867"/>
+            <a:ext cx="319933" cy="358800"/>
+          </a:xfrm>
+          <a:prstGeom prst="flowChartOffpageConnector">
+            <a:avLst/>
+          </a:prstGeom>
+          <a:solidFill>
+            <a:srgbClr val="FFFFFF"/>
+          </a:solidFill>
+          <a:ln w="9525" cap="flat" cmpd="sng">
+            <a:solidFill>
+              <a:srgbClr val="FF9900"/>
+            </a:solidFill>
+            <a:prstDash val="solid"/>
+            <a:round/>
+            <a:headEnd type="none" w="sm" len="sm"/>
+            <a:tailEnd type="none" w="sm" len="sm"/>
+          </a:ln>
+        </p:spPr>
+        <p:txBody>
+          <a:bodyPr spcFirstLastPara="1" wrap="square" lIns="121900" tIns="121900" rIns="121900" bIns="121900" anchor="ctr" anchorCtr="0">
+            <a:noAutofit/>
+          </a:bodyPr>
+          <a:lstStyle/>
+          <a:p>
+            <a:pPr algn="ctr"/>
+            <a:r>
+              <a:rPr lang="en" sz="1333">
+                <a:latin typeface="Consolas"/>
+                <a:ea typeface="Consolas"/>
+                <a:cs typeface="Consolas"/>
+                <a:sym typeface="Consolas"/>
+              </a:rPr>
+              <a:t>4</a:t>
+            </a:r>
+            <a:endParaRPr sz="1333">
+              <a:latin typeface="Consolas"/>
+              <a:ea typeface="Consolas"/>
+              <a:cs typeface="Consolas"/>
+              <a:sym typeface="Consolas"/>
+            </a:endParaRPr>
+          </a:p>
+        </p:txBody>
+      </p:sp>
+      <p:sp>
+        <p:nvSpPr>
+          <p:cNvPr id="74" name="Google Shape;74;p13"/>
+          <p:cNvSpPr/>
+          <p:nvPr/>
+        </p:nvSpPr>
+        <p:spPr>
+          <a:xfrm>
+            <a:off x="11086434" y="2245867"/>
+            <a:ext cx="319933" cy="358800"/>
+          </a:xfrm>
+          <a:prstGeom prst="flowChartOffpageConnector">
+            <a:avLst/>
+          </a:prstGeom>
+          <a:solidFill>
+            <a:srgbClr val="FFFFFF"/>
+          </a:solidFill>
+          <a:ln w="9525" cap="flat" cmpd="sng">
+            <a:solidFill>
+              <a:srgbClr val="FF9900"/>
+            </a:solidFill>
+            <a:prstDash val="solid"/>
+            <a:round/>
+            <a:headEnd type="none" w="sm" len="sm"/>
+            <a:tailEnd type="none" w="sm" len="sm"/>
+          </a:ln>
+        </p:spPr>
+        <p:txBody>
+          <a:bodyPr spcFirstLastPara="1" wrap="square" lIns="121900" tIns="121900" rIns="121900" bIns="121900" anchor="ctr" anchorCtr="0">
+            <a:noAutofit/>
+          </a:bodyPr>
+          <a:lstStyle/>
+          <a:p>
+            <a:pPr algn="ctr"/>
+            <a:r>
+              <a:rPr lang="en" sz="1333">
+                <a:latin typeface="Consolas"/>
+                <a:ea typeface="Consolas"/>
+                <a:cs typeface="Consolas"/>
+                <a:sym typeface="Consolas"/>
+              </a:rPr>
+              <a:t>5</a:t>
+            </a:r>
+            <a:endParaRPr sz="1333">
+              <a:latin typeface="Consolas"/>
+              <a:ea typeface="Consolas"/>
+              <a:cs typeface="Consolas"/>
+              <a:sym typeface="Consolas"/>
+            </a:endParaRPr>
+          </a:p>
+        </p:txBody>
+      </p:sp>
+    </p:spTree>
+  </p:cSld>
+  <p:clrMapOvr>
+    <a:masterClrMapping/>
+  </p:clrMapOvr>
+</p:sld>
+</file>
+
+<file path=ppt/slides/slide6.xml><?xml version="1.0" encoding="utf-8"?>
+<p:sld xmlns:a="http://schemas.openxmlformats.org/drawingml/2006/main" xmlns:r="http://schemas.openxmlformats.org/officeDocument/2006/relationships" xmlns:p="http://schemas.openxmlformats.org/presentationml/2006/main">
+  <p:cSld>
+    <p:spTree>
+      <p:nvGrpSpPr>
+        <p:cNvPr id="1" name="Shape 78"/>
+        <p:cNvGrpSpPr/>
+        <p:nvPr/>
+      </p:nvGrpSpPr>
+      <p:grpSpPr>
+        <a:xfrm>
+          <a:off x="0" y="0"/>
+          <a:ext cx="0" cy="0"/>
+          <a:chOff x="0" y="0"/>
+          <a:chExt cx="0" cy="0"/>
+        </a:xfrm>
+      </p:grpSpPr>
+      <p:pic>
+        <p:nvPicPr>
+          <p:cNvPr id="79" name="Google Shape;79;p14"/>
+          <p:cNvPicPr preferRelativeResize="0"/>
+          <p:nvPr/>
+        </p:nvPicPr>
+        <p:blipFill>
+          <a:blip r:embed="rId3">
+            <a:alphaModFix/>
+          </a:blip>
+          <a:stretch>
+            <a:fillRect/>
+          </a:stretch>
+        </p:blipFill>
+        <p:spPr>
+          <a:xfrm>
+            <a:off x="2453267" y="109400"/>
+            <a:ext cx="8160316" cy="6451600"/>
+          </a:xfrm>
+          <a:prstGeom prst="rect">
+            <a:avLst/>
+          </a:prstGeom>
+          <a:noFill/>
+          <a:ln>
+            <a:noFill/>
+          </a:ln>
+        </p:spPr>
+      </p:pic>
+      <p:sp>
+        <p:nvSpPr>
+          <p:cNvPr id="80" name="Google Shape;80;p14"/>
+          <p:cNvSpPr/>
+          <p:nvPr/>
+        </p:nvSpPr>
+        <p:spPr>
+          <a:xfrm>
+            <a:off x="2923467" y="1975100"/>
+            <a:ext cx="2657600" cy="3731200"/>
+          </a:xfrm>
+          <a:prstGeom prst="rect">
+            <a:avLst/>
+          </a:prstGeom>
+          <a:noFill/>
+          <a:ln w="28575" cap="flat" cmpd="sng">
+            <a:solidFill>
+              <a:srgbClr val="FF9900"/>
+            </a:solidFill>
+            <a:prstDash val="solid"/>
+            <a:round/>
+            <a:headEnd type="none" w="sm" len="sm"/>
+            <a:tailEnd type="none" w="sm" len="sm"/>
+          </a:ln>
+        </p:spPr>
+        <p:txBody>
+          <a:bodyPr spcFirstLastPara="1" wrap="square" lIns="121900" tIns="121900" rIns="121900" bIns="121900" anchor="ctr" anchorCtr="0">
+            <a:noAutofit/>
+          </a:bodyPr>
+          <a:lstStyle/>
+          <a:p>
+            <a:endParaRPr sz="2400"/>
+          </a:p>
+        </p:txBody>
+      </p:sp>
+      <p:sp>
+        <p:nvSpPr>
+          <p:cNvPr id="81" name="Google Shape;81;p14"/>
+          <p:cNvSpPr txBox="1"/>
+          <p:nvPr/>
+        </p:nvSpPr>
+        <p:spPr>
+          <a:xfrm>
+            <a:off x="960567" y="2528300"/>
+            <a:ext cx="1534800" cy="358800"/>
+          </a:xfrm>
+          <a:prstGeom prst="rect">
+            <a:avLst/>
+          </a:prstGeom>
+          <a:solidFill>
+            <a:srgbClr val="FF9900"/>
+          </a:solidFill>
+          <a:ln>
+            <a:noFill/>
+          </a:ln>
+        </p:spPr>
+        <p:txBody>
+          <a:bodyPr spcFirstLastPara="1" wrap="square" lIns="121900" tIns="121900" rIns="121900" bIns="121900" anchor="ctr" anchorCtr="0">
+            <a:noAutofit/>
+          </a:bodyPr>
+          <a:lstStyle/>
+          <a:p>
+            <a:pPr algn="ctr"/>
+            <a:r>
+              <a:rPr lang="en" sz="1333">
+                <a:latin typeface="Consolas"/>
+                <a:ea typeface="Consolas"/>
+                <a:cs typeface="Consolas"/>
+                <a:sym typeface="Consolas"/>
+              </a:rPr>
+              <a:t>Order Panel</a:t>
+            </a:r>
+            <a:endParaRPr sz="1333">
+              <a:latin typeface="Consolas"/>
+              <a:ea typeface="Consolas"/>
+              <a:cs typeface="Consolas"/>
+              <a:sym typeface="Consolas"/>
+            </a:endParaRPr>
+          </a:p>
+        </p:txBody>
+      </p:sp>
+      <p:cxnSp>
+        <p:nvCxnSpPr>
+          <p:cNvPr id="82" name="Google Shape;82;p14"/>
+          <p:cNvCxnSpPr>
+            <a:stCxn id="81" idx="3"/>
+          </p:cNvCxnSpPr>
+          <p:nvPr/>
+        </p:nvCxnSpPr>
+        <p:spPr>
+          <a:xfrm>
+            <a:off x="2495367" y="2707700"/>
+            <a:ext cx="428400" cy="400"/>
+          </a:xfrm>
+          <a:prstGeom prst="straightConnector1">
+            <a:avLst/>
+          </a:prstGeom>
+          <a:noFill/>
+          <a:ln w="38100" cap="flat" cmpd="sng">
+            <a:solidFill>
+              <a:srgbClr val="FF9900"/>
+            </a:solidFill>
+            <a:prstDash val="solid"/>
+            <a:round/>
+            <a:headEnd type="none" w="med" len="med"/>
+            <a:tailEnd type="none" w="med" len="med"/>
+          </a:ln>
+        </p:spPr>
+      </p:cxnSp>
+      <p:sp>
+        <p:nvSpPr>
+          <p:cNvPr id="83" name="Google Shape;83;p14"/>
+          <p:cNvSpPr/>
+          <p:nvPr/>
+        </p:nvSpPr>
+        <p:spPr>
+          <a:xfrm>
+            <a:off x="5742700" y="1975100"/>
+            <a:ext cx="4362000" cy="3619600"/>
+          </a:xfrm>
+          <a:prstGeom prst="rect">
+            <a:avLst/>
+          </a:prstGeom>
+          <a:noFill/>
+          <a:ln w="28575" cap="flat" cmpd="sng">
+            <a:solidFill>
+              <a:srgbClr val="FF9900"/>
+            </a:solidFill>
+            <a:prstDash val="solid"/>
+            <a:round/>
+            <a:headEnd type="none" w="sm" len="sm"/>
+            <a:tailEnd type="none" w="sm" len="sm"/>
+          </a:ln>
+        </p:spPr>
+        <p:txBody>
+          <a:bodyPr spcFirstLastPara="1" wrap="square" lIns="121900" tIns="121900" rIns="121900" bIns="121900" anchor="ctr" anchorCtr="0">
+            <a:noAutofit/>
+          </a:bodyPr>
+          <a:lstStyle/>
+          <a:p>
+            <a:endParaRPr sz="2400"/>
+          </a:p>
+        </p:txBody>
+      </p:sp>
+      <p:sp>
+        <p:nvSpPr>
+          <p:cNvPr id="84" name="Google Shape;84;p14"/>
+          <p:cNvSpPr txBox="1"/>
+          <p:nvPr/>
+        </p:nvSpPr>
+        <p:spPr>
+          <a:xfrm>
+            <a:off x="10605400" y="2525700"/>
+            <a:ext cx="1282000" cy="364400"/>
+          </a:xfrm>
+          <a:prstGeom prst="rect">
+            <a:avLst/>
+          </a:prstGeom>
+          <a:solidFill>
+            <a:srgbClr val="FF9900"/>
+          </a:solidFill>
+          <a:ln>
+            <a:noFill/>
+          </a:ln>
+        </p:spPr>
+        <p:txBody>
+          <a:bodyPr spcFirstLastPara="1" wrap="square" lIns="121900" tIns="121900" rIns="121900" bIns="121900" anchor="ctr" anchorCtr="0">
+            <a:noAutofit/>
+          </a:bodyPr>
+          <a:lstStyle/>
+          <a:p>
+            <a:pPr algn="ctr"/>
+            <a:r>
+              <a:rPr lang="en" sz="1333">
+                <a:latin typeface="Consolas"/>
+                <a:ea typeface="Consolas"/>
+                <a:cs typeface="Consolas"/>
+                <a:sym typeface="Consolas"/>
+              </a:rPr>
+              <a:t>Table Panel</a:t>
+            </a:r>
+            <a:endParaRPr sz="1333">
+              <a:latin typeface="Consolas"/>
+              <a:ea typeface="Consolas"/>
+              <a:cs typeface="Consolas"/>
+              <a:sym typeface="Consolas"/>
+            </a:endParaRPr>
+          </a:p>
+        </p:txBody>
+      </p:sp>
+      <p:cxnSp>
+        <p:nvCxnSpPr>
+          <p:cNvPr id="85" name="Google Shape;85;p14"/>
+          <p:cNvCxnSpPr>
+            <a:stCxn id="84" idx="1"/>
+          </p:cNvCxnSpPr>
+          <p:nvPr/>
+        </p:nvCxnSpPr>
+        <p:spPr>
+          <a:xfrm rot="10800000">
+            <a:off x="10117800" y="2705500"/>
+            <a:ext cx="487600" cy="2400"/>
+          </a:xfrm>
+          <a:prstGeom prst="straightConnector1">
+            <a:avLst/>
+          </a:prstGeom>
+          <a:noFill/>
+          <a:ln w="38100" cap="flat" cmpd="sng">
+            <a:solidFill>
+              <a:srgbClr val="FF9900"/>
+            </a:solidFill>
+            <a:prstDash val="solid"/>
+            <a:round/>
+            <a:headEnd type="none" w="med" len="med"/>
+            <a:tailEnd type="none" w="med" len="med"/>
+          </a:ln>
+        </p:spPr>
+      </p:cxnSp>
+    </p:spTree>
+  </p:cSld>
+  <p:clrMapOvr>
+    <a:masterClrMapping/>
+  </p:clrMapOvr>
+</p:sld>
+</file>
+
+<file path=ppt/slides/slide7.xml><?xml version="1.0" encoding="utf-8"?>
+<p:sld xmlns:a="http://schemas.openxmlformats.org/drawingml/2006/main" xmlns:r="http://schemas.openxmlformats.org/officeDocument/2006/relationships" xmlns:p="http://schemas.openxmlformats.org/presentationml/2006/main">
+  <p:cSld>
+    <p:spTree>
+      <p:nvGrpSpPr>
+        <p:cNvPr id="1" name="Shape 89"/>
+        <p:cNvGrpSpPr/>
+        <p:nvPr/>
+      </p:nvGrpSpPr>
+      <p:grpSpPr>
+        <a:xfrm>
+          <a:off x="0" y="0"/>
+          <a:ext cx="0" cy="0"/>
+          <a:chOff x="0" y="0"/>
+          <a:chExt cx="0" cy="0"/>
+        </a:xfrm>
+      </p:grpSpPr>
+      <p:pic>
+        <p:nvPicPr>
+          <p:cNvPr id="90" name="Google Shape;90;p15"/>
+          <p:cNvPicPr preferRelativeResize="0"/>
+          <p:nvPr/>
+        </p:nvPicPr>
+        <p:blipFill>
+          <a:blip r:embed="rId3">
+            <a:alphaModFix/>
+          </a:blip>
+          <a:stretch>
+            <a:fillRect/>
+          </a:stretch>
+        </p:blipFill>
+        <p:spPr>
+          <a:xfrm>
+            <a:off x="2453267" y="104233"/>
+            <a:ext cx="8160316" cy="6451600"/>
+          </a:xfrm>
+          <a:prstGeom prst="rect">
+            <a:avLst/>
+          </a:prstGeom>
+          <a:noFill/>
+          <a:ln>
+            <a:noFill/>
+          </a:ln>
+        </p:spPr>
+      </p:pic>
+      <p:sp>
+        <p:nvSpPr>
+          <p:cNvPr id="91" name="Google Shape;91;p15"/>
+          <p:cNvSpPr/>
+          <p:nvPr/>
+        </p:nvSpPr>
+        <p:spPr>
+          <a:xfrm>
+            <a:off x="2923467" y="1975100"/>
+            <a:ext cx="2657600" cy="3731200"/>
+          </a:xfrm>
+          <a:prstGeom prst="rect">
+            <a:avLst/>
+          </a:prstGeom>
+          <a:noFill/>
+          <a:ln w="28575" cap="flat" cmpd="sng">
+            <a:solidFill>
+              <a:srgbClr val="FF9900"/>
+            </a:solidFill>
+            <a:prstDash val="solid"/>
+            <a:round/>
+            <a:headEnd type="none" w="sm" len="sm"/>
+            <a:tailEnd type="none" w="sm" len="sm"/>
+          </a:ln>
+        </p:spPr>
+        <p:txBody>
+          <a:bodyPr spcFirstLastPara="1" wrap="square" lIns="121900" tIns="121900" rIns="121900" bIns="121900" anchor="ctr" anchorCtr="0">
+            <a:noAutofit/>
+          </a:bodyPr>
+          <a:lstStyle/>
+          <a:p>
+            <a:endParaRPr sz="2400"/>
+          </a:p>
+        </p:txBody>
+      </p:sp>
+      <p:sp>
+        <p:nvSpPr>
+          <p:cNvPr id="92" name="Google Shape;92;p15"/>
+          <p:cNvSpPr txBox="1"/>
+          <p:nvPr/>
+        </p:nvSpPr>
+        <p:spPr>
+          <a:xfrm>
+            <a:off x="960567" y="2528300"/>
+            <a:ext cx="1534800" cy="358800"/>
+          </a:xfrm>
+          <a:prstGeom prst="rect">
+            <a:avLst/>
+          </a:prstGeom>
+          <a:solidFill>
+            <a:srgbClr val="FF9900"/>
+          </a:solidFill>
+          <a:ln>
+            <a:noFill/>
+          </a:ln>
+        </p:spPr>
+        <p:txBody>
+          <a:bodyPr spcFirstLastPara="1" wrap="square" lIns="121900" tIns="121900" rIns="121900" bIns="121900" anchor="ctr" anchorCtr="0">
+            <a:noAutofit/>
+          </a:bodyPr>
+          <a:lstStyle/>
+          <a:p>
+            <a:pPr algn="ctr"/>
+            <a:r>
+              <a:rPr lang="en" sz="1333">
+                <a:latin typeface="Consolas"/>
+                <a:ea typeface="Consolas"/>
+                <a:cs typeface="Consolas"/>
+                <a:sym typeface="Consolas"/>
+              </a:rPr>
+              <a:t>Order Panel</a:t>
+            </a:r>
+            <a:endParaRPr sz="1333">
+              <a:latin typeface="Consolas"/>
+              <a:ea typeface="Consolas"/>
+              <a:cs typeface="Consolas"/>
+              <a:sym typeface="Consolas"/>
+            </a:endParaRPr>
+          </a:p>
+        </p:txBody>
+      </p:sp>
+      <p:cxnSp>
+        <p:nvCxnSpPr>
+          <p:cNvPr id="93" name="Google Shape;93;p15"/>
+          <p:cNvCxnSpPr>
+            <a:stCxn id="92" idx="3"/>
+          </p:cNvCxnSpPr>
+          <p:nvPr/>
+        </p:nvCxnSpPr>
+        <p:spPr>
+          <a:xfrm>
+            <a:off x="2495367" y="2707700"/>
+            <a:ext cx="428400" cy="400"/>
+          </a:xfrm>
+          <a:prstGeom prst="straightConnector1">
+            <a:avLst/>
+          </a:prstGeom>
+          <a:noFill/>
+          <a:ln w="38100" cap="flat" cmpd="sng">
+            <a:solidFill>
+              <a:srgbClr val="FF9900"/>
+            </a:solidFill>
+            <a:prstDash val="solid"/>
+            <a:round/>
+            <a:headEnd type="none" w="med" len="med"/>
+            <a:tailEnd type="none" w="med" len="med"/>
+          </a:ln>
+        </p:spPr>
+      </p:cxnSp>
+      <p:sp>
+        <p:nvSpPr>
+          <p:cNvPr id="94" name="Google Shape;94;p15"/>
+          <p:cNvSpPr/>
+          <p:nvPr/>
+        </p:nvSpPr>
+        <p:spPr>
+          <a:xfrm>
+            <a:off x="5742700" y="1975100"/>
+            <a:ext cx="4362000" cy="3619600"/>
+          </a:xfrm>
+          <a:prstGeom prst="rect">
+            <a:avLst/>
+          </a:prstGeom>
+          <a:noFill/>
+          <a:ln w="28575" cap="flat" cmpd="sng">
+            <a:solidFill>
+              <a:srgbClr val="FF9900"/>
+            </a:solidFill>
+            <a:prstDash val="solid"/>
+            <a:round/>
+            <a:headEnd type="none" w="sm" len="sm"/>
+            <a:tailEnd type="none" w="sm" len="sm"/>
+          </a:ln>
+        </p:spPr>
+        <p:txBody>
+          <a:bodyPr spcFirstLastPara="1" wrap="square" lIns="121900" tIns="121900" rIns="121900" bIns="121900" anchor="ctr" anchorCtr="0">
+            <a:noAutofit/>
+          </a:bodyPr>
+          <a:lstStyle/>
+          <a:p>
+            <a:endParaRPr sz="2400"/>
+          </a:p>
+        </p:txBody>
+      </p:sp>
+      <p:sp>
+        <p:nvSpPr>
+          <p:cNvPr id="95" name="Google Shape;95;p15"/>
+          <p:cNvSpPr txBox="1"/>
+          <p:nvPr/>
+        </p:nvSpPr>
+        <p:spPr>
+          <a:xfrm>
+            <a:off x="10605400" y="2525700"/>
+            <a:ext cx="1282000" cy="364400"/>
+          </a:xfrm>
+          <a:prstGeom prst="rect">
+            <a:avLst/>
+          </a:prstGeom>
+          <a:solidFill>
+            <a:srgbClr val="FF9900"/>
+          </a:solidFill>
+          <a:ln>
+            <a:noFill/>
+          </a:ln>
+        </p:spPr>
+        <p:txBody>
+          <a:bodyPr spcFirstLastPara="1" wrap="square" lIns="121900" tIns="121900" rIns="121900" bIns="121900" anchor="ctr" anchorCtr="0">
+            <a:noAutofit/>
+          </a:bodyPr>
+          <a:lstStyle/>
+          <a:p>
+            <a:pPr algn="ctr"/>
+            <a:r>
+              <a:rPr lang="en" sz="1333">
+                <a:latin typeface="Consolas"/>
+                <a:ea typeface="Consolas"/>
+                <a:cs typeface="Consolas"/>
+                <a:sym typeface="Consolas"/>
+              </a:rPr>
+              <a:t>Menu Panel</a:t>
+            </a:r>
+            <a:endParaRPr sz="1333">
+              <a:latin typeface="Consolas"/>
+              <a:ea typeface="Consolas"/>
+              <a:cs typeface="Consolas"/>
+              <a:sym typeface="Consolas"/>
+            </a:endParaRPr>
+          </a:p>
+        </p:txBody>
+      </p:sp>
+      <p:cxnSp>
+        <p:nvCxnSpPr>
+          <p:cNvPr id="96" name="Google Shape;96;p15"/>
+          <p:cNvCxnSpPr>
+            <a:stCxn id="95" idx="1"/>
+          </p:cNvCxnSpPr>
+          <p:nvPr/>
+        </p:nvCxnSpPr>
+        <p:spPr>
+          <a:xfrm rot="10800000">
+            <a:off x="10117800" y="2705500"/>
+            <a:ext cx="487600" cy="2400"/>
+          </a:xfrm>
+          <a:prstGeom prst="straightConnector1">
+            <a:avLst/>
+          </a:prstGeom>
+          <a:noFill/>
+          <a:ln w="38100" cap="flat" cmpd="sng">
+            <a:solidFill>
+              <a:srgbClr val="FF9900"/>
+            </a:solidFill>
+            <a:prstDash val="solid"/>
+            <a:round/>
+            <a:headEnd type="none" w="med" len="med"/>
+            <a:tailEnd type="none" w="med" len="med"/>
+          </a:ln>
+        </p:spPr>
+      </p:cxnSp>
+    </p:spTree>
+  </p:cSld>
+  <p:clrMapOvr>
+    <a:masterClrMapping/>
+  </p:clrMapOvr>
+</p:sld>
+</file>
+
+<file path=ppt/slides/slide8.xml><?xml version="1.0" encoding="utf-8"?>
+<p:sld xmlns:a="http://schemas.openxmlformats.org/drawingml/2006/main" xmlns:r="http://schemas.openxmlformats.org/officeDocument/2006/relationships" xmlns:p="http://schemas.openxmlformats.org/presentationml/2006/main">
+  <p:cSld>
+    <p:spTree>
+      <p:nvGrpSpPr>
+        <p:cNvPr id="1" name="Shape 100"/>
+        <p:cNvGrpSpPr/>
+        <p:nvPr/>
+      </p:nvGrpSpPr>
+      <p:grpSpPr>
+        <a:xfrm>
+          <a:off x="0" y="0"/>
+          <a:ext cx="0" cy="0"/>
+          <a:chOff x="0" y="0"/>
+          <a:chExt cx="0" cy="0"/>
+        </a:xfrm>
+      </p:grpSpPr>
+      <p:pic>
+        <p:nvPicPr>
+          <p:cNvPr id="101" name="Google Shape;101;p16"/>
+          <p:cNvPicPr preferRelativeResize="0"/>
+          <p:nvPr/>
+        </p:nvPicPr>
+        <p:blipFill rotWithShape="1">
+          <a:blip r:embed="rId3">
+            <a:alphaModFix/>
+          </a:blip>
+          <a:srcRect/>
+          <a:stretch/>
+        </p:blipFill>
+        <p:spPr>
+          <a:xfrm>
+            <a:off x="2453267" y="104233"/>
+            <a:ext cx="8160316" cy="6451600"/>
+          </a:xfrm>
+          <a:prstGeom prst="rect">
+            <a:avLst/>
+          </a:prstGeom>
+          <a:noFill/>
+          <a:ln>
+            <a:noFill/>
+          </a:ln>
+        </p:spPr>
+      </p:pic>
+      <p:sp>
+        <p:nvSpPr>
+          <p:cNvPr id="102" name="Google Shape;102;p16"/>
+          <p:cNvSpPr/>
+          <p:nvPr/>
+        </p:nvSpPr>
+        <p:spPr>
+          <a:xfrm>
+            <a:off x="2923467" y="1975100"/>
+            <a:ext cx="2657600" cy="3731200"/>
+          </a:xfrm>
+          <a:prstGeom prst="rect">
+            <a:avLst/>
+          </a:prstGeom>
+          <a:noFill/>
+          <a:ln w="28575" cap="flat" cmpd="sng">
+            <a:solidFill>
+              <a:srgbClr val="FF9900"/>
+            </a:solidFill>
+            <a:prstDash val="solid"/>
+            <a:round/>
+            <a:headEnd type="none" w="sm" len="sm"/>
+            <a:tailEnd type="none" w="sm" len="sm"/>
+          </a:ln>
+        </p:spPr>
+        <p:txBody>
+          <a:bodyPr spcFirstLastPara="1" wrap="square" lIns="121900" tIns="121900" rIns="121900" bIns="121900" anchor="ctr" anchorCtr="0">
+            <a:noAutofit/>
+          </a:bodyPr>
+          <a:lstStyle/>
+          <a:p>
+            <a:endParaRPr sz="2400"/>
+          </a:p>
+        </p:txBody>
+      </p:sp>
+      <p:sp>
+        <p:nvSpPr>
+          <p:cNvPr id="103" name="Google Shape;103;p16"/>
+          <p:cNvSpPr txBox="1"/>
+          <p:nvPr/>
+        </p:nvSpPr>
+        <p:spPr>
+          <a:xfrm>
+            <a:off x="960567" y="2528300"/>
+            <a:ext cx="1534800" cy="358800"/>
+          </a:xfrm>
+          <a:prstGeom prst="rect">
+            <a:avLst/>
+          </a:prstGeom>
+          <a:solidFill>
+            <a:srgbClr val="FF9900"/>
+          </a:solidFill>
+          <a:ln>
+            <a:noFill/>
+          </a:ln>
+        </p:spPr>
+        <p:txBody>
+          <a:bodyPr spcFirstLastPara="1" wrap="square" lIns="121900" tIns="121900" rIns="121900" bIns="121900" anchor="ctr" anchorCtr="0">
+            <a:noAutofit/>
+          </a:bodyPr>
+          <a:lstStyle/>
+          <a:p>
+            <a:pPr algn="ctr"/>
+            <a:r>
+              <a:rPr lang="en" sz="1333">
+                <a:latin typeface="Consolas"/>
+                <a:ea typeface="Consolas"/>
+                <a:cs typeface="Consolas"/>
+                <a:sym typeface="Consolas"/>
+              </a:rPr>
+              <a:t>Menu Panel</a:t>
+            </a:r>
+            <a:endParaRPr sz="1333">
+              <a:latin typeface="Consolas"/>
+              <a:ea typeface="Consolas"/>
+              <a:cs typeface="Consolas"/>
+              <a:sym typeface="Consolas"/>
+            </a:endParaRPr>
+          </a:p>
+        </p:txBody>
+      </p:sp>
+      <p:cxnSp>
+        <p:nvCxnSpPr>
+          <p:cNvPr id="104" name="Google Shape;104;p16"/>
+          <p:cNvCxnSpPr>
+            <a:stCxn id="103" idx="3"/>
+          </p:cNvCxnSpPr>
+          <p:nvPr/>
+        </p:nvCxnSpPr>
+        <p:spPr>
+          <a:xfrm>
+            <a:off x="2495367" y="2707700"/>
+            <a:ext cx="428400" cy="400"/>
+          </a:xfrm>
+          <a:prstGeom prst="straightConnector1">
+            <a:avLst/>
+          </a:prstGeom>
+          <a:noFill/>
+          <a:ln w="38100" cap="flat" cmpd="sng">
+            <a:solidFill>
+              <a:srgbClr val="FF9900"/>
+            </a:solidFill>
+            <a:prstDash val="solid"/>
+            <a:round/>
+            <a:headEnd type="none" w="med" len="med"/>
+            <a:tailEnd type="none" w="med" len="med"/>
+          </a:ln>
+        </p:spPr>
+      </p:cxnSp>
+    </p:spTree>
+  </p:cSld>
+  <p:clrMapOvr>
+    <a:masterClrMapping/>
+  </p:clrMapOvr>
+</p:sld>
+</file>
+
+<file path=ppt/slides/slide9.xml><?xml version="1.0" encoding="utf-8"?>
+<p:sld xmlns:a="http://schemas.openxmlformats.org/drawingml/2006/main" xmlns:r="http://schemas.openxmlformats.org/officeDocument/2006/relationships" xmlns:p="http://schemas.openxmlformats.org/presentationml/2006/main">
+  <p:cSld>
+    <p:spTree>
+      <p:nvGrpSpPr>
+        <p:cNvPr id="1" name="Shape 108"/>
+        <p:cNvGrpSpPr/>
+        <p:nvPr/>
+      </p:nvGrpSpPr>
+      <p:grpSpPr>
+        <a:xfrm>
+          <a:off x="0" y="0"/>
+          <a:ext cx="0" cy="0"/>
+          <a:chOff x="0" y="0"/>
+          <a:chExt cx="0" cy="0"/>
+        </a:xfrm>
+      </p:grpSpPr>
+      <p:pic>
+        <p:nvPicPr>
+          <p:cNvPr id="109" name="Google Shape;109;p17"/>
+          <p:cNvPicPr preferRelativeResize="0"/>
+          <p:nvPr/>
+        </p:nvPicPr>
+        <p:blipFill rotWithShape="1">
+          <a:blip r:embed="rId3">
+            <a:alphaModFix/>
+          </a:blip>
+          <a:srcRect/>
+          <a:stretch/>
+        </p:blipFill>
+        <p:spPr>
+          <a:xfrm>
+            <a:off x="2453267" y="104233"/>
+            <a:ext cx="8160316" cy="6451600"/>
+          </a:xfrm>
+          <a:prstGeom prst="rect">
+            <a:avLst/>
+          </a:prstGeom>
+          <a:noFill/>
+          <a:ln>
+            <a:noFill/>
+          </a:ln>
+        </p:spPr>
+      </p:pic>
+      <p:sp>
+        <p:nvSpPr>
+          <p:cNvPr id="110" name="Google Shape;110;p17"/>
+          <p:cNvSpPr/>
+          <p:nvPr/>
+        </p:nvSpPr>
+        <p:spPr>
+          <a:xfrm>
+            <a:off x="2923467" y="1975100"/>
+            <a:ext cx="2657600" cy="3731200"/>
+          </a:xfrm>
+          <a:prstGeom prst="rect">
+            <a:avLst/>
+          </a:prstGeom>
+          <a:noFill/>
+          <a:ln w="28575" cap="flat" cmpd="sng">
+            <a:solidFill>
+              <a:srgbClr val="FF9900"/>
+            </a:solidFill>
+            <a:prstDash val="solid"/>
+            <a:round/>
+            <a:headEnd type="none" w="sm" len="sm"/>
+            <a:tailEnd type="none" w="sm" len="sm"/>
+          </a:ln>
+        </p:spPr>
+        <p:txBody>
+          <a:bodyPr spcFirstLastPara="1" wrap="square" lIns="121900" tIns="121900" rIns="121900" bIns="121900" anchor="ctr" anchorCtr="0">
+            <a:noAutofit/>
+          </a:bodyPr>
+          <a:lstStyle/>
+          <a:p>
+            <a:endParaRPr sz="2400"/>
+          </a:p>
+        </p:txBody>
+      </p:sp>
+      <p:sp>
+        <p:nvSpPr>
+          <p:cNvPr id="111" name="Google Shape;111;p17"/>
+          <p:cNvSpPr txBox="1"/>
+          <p:nvPr/>
+        </p:nvSpPr>
+        <p:spPr>
+          <a:xfrm>
+            <a:off x="960567" y="2528300"/>
+            <a:ext cx="1534800" cy="358800"/>
+          </a:xfrm>
+          <a:prstGeom prst="rect">
+            <a:avLst/>
+          </a:prstGeom>
+          <a:solidFill>
+            <a:srgbClr val="FF9900"/>
+          </a:solidFill>
+          <a:ln>
+            <a:noFill/>
+          </a:ln>
+        </p:spPr>
+        <p:txBody>
+          <a:bodyPr spcFirstLastPara="1" wrap="square" lIns="121900" tIns="121900" rIns="121900" bIns="121900" anchor="ctr" anchorCtr="0">
+            <a:noAutofit/>
+          </a:bodyPr>
+          <a:lstStyle/>
+          <a:p>
+            <a:pPr algn="ctr"/>
+            <a:r>
+              <a:rPr lang="en" sz="1333">
+                <a:latin typeface="Consolas"/>
+                <a:ea typeface="Consolas"/>
+                <a:cs typeface="Consolas"/>
+                <a:sym typeface="Consolas"/>
+              </a:rPr>
+              <a:t>Item Panel</a:t>
+            </a:r>
+            <a:endParaRPr sz="1333">
+              <a:latin typeface="Consolas"/>
+              <a:ea typeface="Consolas"/>
+              <a:cs typeface="Consolas"/>
+              <a:sym typeface="Consolas"/>
+            </a:endParaRPr>
+          </a:p>
+        </p:txBody>
+      </p:sp>
+      <p:cxnSp>
+        <p:nvCxnSpPr>
+          <p:cNvPr id="112" name="Google Shape;112;p17"/>
+          <p:cNvCxnSpPr>
+            <a:stCxn id="111" idx="3"/>
+          </p:cNvCxnSpPr>
+          <p:nvPr/>
+        </p:nvCxnSpPr>
+        <p:spPr>
+          <a:xfrm>
+            <a:off x="2495367" y="2707700"/>
+            <a:ext cx="428400" cy="400"/>
+          </a:xfrm>
+          <a:prstGeom prst="straightConnector1">
+            <a:avLst/>
+          </a:prstGeom>
+          <a:noFill/>
+          <a:ln w="38100" cap="flat" cmpd="sng">
+            <a:solidFill>
+              <a:srgbClr val="FF9900"/>
+            </a:solidFill>
+            <a:prstDash val="solid"/>
+            <a:round/>
+            <a:headEnd type="none" w="med" len="med"/>
+            <a:tailEnd type="none" w="med" len="med"/>
+          </a:ln>
+        </p:spPr>
+      </p:cxnSp>
+      <p:sp>
+        <p:nvSpPr>
+          <p:cNvPr id="113" name="Google Shape;113;p17"/>
+          <p:cNvSpPr/>
+          <p:nvPr/>
+        </p:nvSpPr>
+        <p:spPr>
+          <a:xfrm>
+            <a:off x="5742700" y="1975100"/>
+            <a:ext cx="4362000" cy="3619600"/>
+          </a:xfrm>
+          <a:prstGeom prst="rect">
+            <a:avLst/>
+          </a:prstGeom>
+          <a:noFill/>
+          <a:ln w="28575" cap="flat" cmpd="sng">
+            <a:solidFill>
+              <a:srgbClr val="FF9900"/>
+            </a:solidFill>
+            <a:prstDash val="solid"/>
+            <a:round/>
+            <a:headEnd type="none" w="sm" len="sm"/>
+            <a:tailEnd type="none" w="sm" len="sm"/>
+          </a:ln>
+        </p:spPr>
+        <p:txBody>
+          <a:bodyPr spcFirstLastPara="1" wrap="square" lIns="121900" tIns="121900" rIns="121900" bIns="121900" anchor="ctr" anchorCtr="0">
+            <a:noAutofit/>
+          </a:bodyPr>
+          <a:lstStyle/>
+          <a:p>
+            <a:endParaRPr sz="2400"/>
+          </a:p>
+        </p:txBody>
+      </p:sp>
+      <p:sp>
+        <p:nvSpPr>
+          <p:cNvPr id="114" name="Google Shape;114;p17"/>
+          <p:cNvSpPr txBox="1"/>
+          <p:nvPr/>
+        </p:nvSpPr>
+        <p:spPr>
+          <a:xfrm>
+            <a:off x="10605400" y="2525700"/>
+            <a:ext cx="1282000" cy="507200"/>
+          </a:xfrm>
+          <a:prstGeom prst="rect">
+            <a:avLst/>
+          </a:prstGeom>
+          <a:solidFill>
+            <a:srgbClr val="FF9900"/>
+          </a:solidFill>
+          <a:ln>
+            <a:noFill/>
+          </a:ln>
+        </p:spPr>
+        <p:txBody>
+          <a:bodyPr spcFirstLastPara="1" wrap="square" lIns="121900" tIns="121900" rIns="121900" bIns="121900" anchor="ctr" anchorCtr="0">
+            <a:noAutofit/>
+          </a:bodyPr>
+          <a:lstStyle/>
+          <a:p>
+            <a:pPr algn="ctr"/>
+            <a:r>
+              <a:rPr lang="en" sz="1333">
+                <a:latin typeface="Consolas"/>
+                <a:ea typeface="Consolas"/>
+                <a:cs typeface="Consolas"/>
+                <a:sym typeface="Consolas"/>
+              </a:rPr>
+              <a:t>Revenue Panel</a:t>
+            </a:r>
+            <a:endParaRPr sz="1333">
+              <a:latin typeface="Consolas"/>
+              <a:ea typeface="Consolas"/>
+              <a:cs typeface="Consolas"/>
+              <a:sym typeface="Consolas"/>
+            </a:endParaRPr>
+          </a:p>
+        </p:txBody>
+      </p:sp>
+      <p:cxnSp>
+        <p:nvCxnSpPr>
+          <p:cNvPr id="115" name="Google Shape;115;p17"/>
+          <p:cNvCxnSpPr>
+            <a:stCxn id="114" idx="1"/>
+          </p:cNvCxnSpPr>
+          <p:nvPr/>
+        </p:nvCxnSpPr>
+        <p:spPr>
+          <a:xfrm rot="10800000">
+            <a:off x="10117800" y="2776900"/>
+            <a:ext cx="487600" cy="2400"/>
+          </a:xfrm>
+          <a:prstGeom prst="straightConnector1">
+            <a:avLst/>
+          </a:prstGeom>
+          <a:noFill/>
+          <a:ln w="38100" cap="flat" cmpd="sng">
+            <a:solidFill>
+              <a:srgbClr val="FF9900"/>
+            </a:solidFill>
+            <a:prstDash val="solid"/>
+            <a:round/>
+            <a:headEnd type="none" w="med" len="med"/>
+            <a:tailEnd type="none" w="med" len="med"/>
+          </a:ln>
+        </p:spPr>
+      </p:cxnSp>
+    </p:spTree>
   </p:cSld>
   <p:clrMapOvr>
     <a:masterClrMapping/>
